--- a/Brand Book Slim Pop .pptx
+++ b/Brand Book Slim Pop .pptx
@@ -6,27 +6,30 @@
   </p:sldMasterIdLst>
   <p:sldIdLst>
     <p:sldId id="256" r:id="rId2"/>
-    <p:sldId id="257" r:id="rId3"/>
-    <p:sldId id="258" r:id="rId4"/>
-    <p:sldId id="259" r:id="rId5"/>
-    <p:sldId id="260" r:id="rId6"/>
-    <p:sldId id="261" r:id="rId7"/>
-    <p:sldId id="262" r:id="rId8"/>
+    <p:sldId id="263" r:id="rId3"/>
+    <p:sldId id="257" r:id="rId4"/>
+    <p:sldId id="258" r:id="rId5"/>
+    <p:sldId id="259" r:id="rId6"/>
+    <p:sldId id="265" r:id="rId7"/>
+    <p:sldId id="264" r:id="rId8"/>
+    <p:sldId id="260" r:id="rId9"/>
+    <p:sldId id="261" r:id="rId10"/>
+    <p:sldId id="262" r:id="rId11"/>
   </p:sldIdLst>
   <p:sldSz cx="12192000" cy="6858000"/>
   <p:notesSz cx="6858000" cy="9144000"/>
   <p:embeddedFontLst>
     <p:embeddedFont>
       <p:font typeface="COCOGOOSE" panose="020B0604020202020204" charset="0"/>
-      <p:regular r:id="rId9"/>
+      <p:regular r:id="rId12"/>
     </p:embeddedFont>
     <p:embeddedFont>
       <p:font typeface="Helvetica Bold" panose="020B0604020202020204" charset="0"/>
-      <p:regular r:id="rId10"/>
+      <p:regular r:id="rId13"/>
     </p:embeddedFont>
     <p:embeddedFont>
       <p:font typeface="House-A-Rama-League-Night" panose="020B0604020202020204"/>
-      <p:regular r:id="rId11"/>
+      <p:regular r:id="rId14"/>
     </p:embeddedFont>
   </p:embeddedFontLst>
   <p:defaultTextStyle>
@@ -360,7 +363,7 @@
             <a:fld id="{1D8BD707-D9CF-40AE-B4C6-C98DA3205C09}" type="datetimeFigureOut">
               <a:rPr lang="en-US" smtClean="0"/>
               <a:pPr/>
-              <a:t>9/23/2025</a:t>
+              <a:t>9/25/2025</a:t>
             </a:fld>
             <a:endParaRPr lang="en-US"/>
           </a:p>
@@ -525,7 +528,7 @@
             <a:fld id="{1D8BD707-D9CF-40AE-B4C6-C98DA3205C09}" type="datetimeFigureOut">
               <a:rPr lang="en-US" smtClean="0"/>
               <a:pPr/>
-              <a:t>9/23/2025</a:t>
+              <a:t>9/25/2025</a:t>
             </a:fld>
             <a:endParaRPr lang="en-US"/>
           </a:p>
@@ -700,7 +703,7 @@
             <a:fld id="{1D8BD707-D9CF-40AE-B4C6-C98DA3205C09}" type="datetimeFigureOut">
               <a:rPr lang="en-US" smtClean="0"/>
               <a:pPr/>
-              <a:t>9/23/2025</a:t>
+              <a:t>9/25/2025</a:t>
             </a:fld>
             <a:endParaRPr lang="en-US"/>
           </a:p>
@@ -865,7 +868,7 @@
             <a:fld id="{1D8BD707-D9CF-40AE-B4C6-C98DA3205C09}" type="datetimeFigureOut">
               <a:rPr lang="en-US" smtClean="0"/>
               <a:pPr/>
-              <a:t>9/23/2025</a:t>
+              <a:t>9/25/2025</a:t>
             </a:fld>
             <a:endParaRPr lang="en-US"/>
           </a:p>
@@ -1107,7 +1110,7 @@
             <a:fld id="{1D8BD707-D9CF-40AE-B4C6-C98DA3205C09}" type="datetimeFigureOut">
               <a:rPr lang="en-US" smtClean="0"/>
               <a:pPr/>
-              <a:t>9/23/2025</a:t>
+              <a:t>9/25/2025</a:t>
             </a:fld>
             <a:endParaRPr lang="en-US"/>
           </a:p>
@@ -1389,7 +1392,7 @@
             <a:fld id="{1D8BD707-D9CF-40AE-B4C6-C98DA3205C09}" type="datetimeFigureOut">
               <a:rPr lang="en-US" smtClean="0"/>
               <a:pPr/>
-              <a:t>9/23/2025</a:t>
+              <a:t>9/25/2025</a:t>
             </a:fld>
             <a:endParaRPr lang="en-US"/>
           </a:p>
@@ -1805,7 +1808,7 @@
             <a:fld id="{1D8BD707-D9CF-40AE-B4C6-C98DA3205C09}" type="datetimeFigureOut">
               <a:rPr lang="en-US" smtClean="0"/>
               <a:pPr/>
-              <a:t>9/23/2025</a:t>
+              <a:t>9/25/2025</a:t>
             </a:fld>
             <a:endParaRPr lang="en-US"/>
           </a:p>
@@ -1919,7 +1922,7 @@
             <a:fld id="{1D8BD707-D9CF-40AE-B4C6-C98DA3205C09}" type="datetimeFigureOut">
               <a:rPr lang="en-US" smtClean="0"/>
               <a:pPr/>
-              <a:t>9/23/2025</a:t>
+              <a:t>9/25/2025</a:t>
             </a:fld>
             <a:endParaRPr lang="en-US"/>
           </a:p>
@@ -2011,7 +2014,7 @@
             <a:fld id="{1D8BD707-D9CF-40AE-B4C6-C98DA3205C09}" type="datetimeFigureOut">
               <a:rPr lang="en-US" smtClean="0"/>
               <a:pPr/>
-              <a:t>9/23/2025</a:t>
+              <a:t>9/25/2025</a:t>
             </a:fld>
             <a:endParaRPr lang="en-US"/>
           </a:p>
@@ -2283,7 +2286,7 @@
             <a:fld id="{1D8BD707-D9CF-40AE-B4C6-C98DA3205C09}" type="datetimeFigureOut">
               <a:rPr lang="en-US" smtClean="0"/>
               <a:pPr/>
-              <a:t>9/23/2025</a:t>
+              <a:t>9/25/2025</a:t>
             </a:fld>
             <a:endParaRPr lang="en-US"/>
           </a:p>
@@ -2532,7 +2535,7 @@
             <a:fld id="{1D8BD707-D9CF-40AE-B4C6-C98DA3205C09}" type="datetimeFigureOut">
               <a:rPr lang="en-US" smtClean="0"/>
               <a:pPr/>
-              <a:t>9/23/2025</a:t>
+              <a:t>9/25/2025</a:t>
             </a:fld>
             <a:endParaRPr lang="en-US"/>
           </a:p>
@@ -2740,7 +2743,7 @@
             <a:fld id="{1D8BD707-D9CF-40AE-B4C6-C98DA3205C09}" type="datetimeFigureOut">
               <a:rPr lang="en-US" smtClean="0"/>
               <a:pPr/>
-              <a:t>9/23/2025</a:t>
+              <a:t>9/25/2025</a:t>
             </a:fld>
             <a:endParaRPr lang="en-US"/>
           </a:p>
@@ -3268,1580 +3271,7 @@
 </p:sld>
 </file>
 
-<file path=ppt/slides/slide2.xml><?xml version="1.0" encoding="utf-8"?>
-<p:sld xmlns:a="http://schemas.openxmlformats.org/drawingml/2006/main" xmlns:r="http://schemas.openxmlformats.org/officeDocument/2006/relationships" xmlns:p="http://schemas.openxmlformats.org/presentationml/2006/main">
-  <p:cSld>
-    <p:bg>
-      <p:bgPr>
-        <a:solidFill>
-          <a:srgbClr val="0CADEC"/>
-        </a:solidFill>
-        <a:effectLst/>
-      </p:bgPr>
-    </p:bg>
-    <p:spTree>
-      <p:nvGrpSpPr>
-        <p:cNvPr id="1" name=""/>
-        <p:cNvGrpSpPr/>
-        <p:nvPr/>
-      </p:nvGrpSpPr>
-      <p:grpSpPr>
-        <a:xfrm>
-          <a:off x="0" y="0"/>
-          <a:ext cx="0" cy="0"/>
-          <a:chOff x="0" y="0"/>
-          <a:chExt cx="0" cy="0"/>
-        </a:xfrm>
-      </p:grpSpPr>
-      <p:sp>
-        <p:nvSpPr>
-          <p:cNvPr id="2" name="Freeform 2"/>
-          <p:cNvSpPr/>
-          <p:nvPr/>
-        </p:nvSpPr>
-        <p:spPr>
-          <a:xfrm>
-            <a:off x="10645131" y="5623956"/>
-            <a:ext cx="995535" cy="960250"/>
-          </a:xfrm>
-          <a:custGeom>
-            <a:avLst/>
-            <a:gdLst/>
-            <a:ahLst/>
-            <a:cxnLst/>
-            <a:rect l="l" t="t" r="r" b="b"/>
-            <a:pathLst>
-              <a:path w="995535" h="960250">
-                <a:moveTo>
-                  <a:pt x="0" y="0"/>
-                </a:moveTo>
-                <a:lnTo>
-                  <a:pt x="995534" y="0"/>
-                </a:lnTo>
-                <a:lnTo>
-                  <a:pt x="995534" y="960250"/>
-                </a:lnTo>
-                <a:lnTo>
-                  <a:pt x="0" y="960250"/>
-                </a:lnTo>
-                <a:lnTo>
-                  <a:pt x="0" y="0"/>
-                </a:lnTo>
-                <a:close/>
-              </a:path>
-            </a:pathLst>
-          </a:custGeom>
-          <a:blipFill>
-            <a:blip r:embed="rId2"/>
-            <a:stretch>
-              <a:fillRect l="-18571" t="-18861" r="-8951" b="-13347"/>
-            </a:stretch>
-          </a:blipFill>
-        </p:spPr>
-        <p:txBody>
-          <a:bodyPr/>
-          <a:lstStyle/>
-          <a:p>
-            <a:endParaRPr lang="es-MX"/>
-          </a:p>
-        </p:txBody>
-      </p:sp>
-      <p:sp>
-        <p:nvSpPr>
-          <p:cNvPr id="3" name="Freeform 3"/>
-          <p:cNvSpPr/>
-          <p:nvPr/>
-        </p:nvSpPr>
-        <p:spPr>
-          <a:xfrm>
-            <a:off x="10355613" y="5163809"/>
-            <a:ext cx="579035" cy="579035"/>
-          </a:xfrm>
-          <a:custGeom>
-            <a:avLst/>
-            <a:gdLst/>
-            <a:ahLst/>
-            <a:cxnLst/>
-            <a:rect l="l" t="t" r="r" b="b"/>
-            <a:pathLst>
-              <a:path w="579035" h="579035">
-                <a:moveTo>
-                  <a:pt x="0" y="0"/>
-                </a:moveTo>
-                <a:lnTo>
-                  <a:pt x="579035" y="0"/>
-                </a:lnTo>
-                <a:lnTo>
-                  <a:pt x="579035" y="579035"/>
-                </a:lnTo>
-                <a:lnTo>
-                  <a:pt x="0" y="579035"/>
-                </a:lnTo>
-                <a:lnTo>
-                  <a:pt x="0" y="0"/>
-                </a:lnTo>
-                <a:close/>
-              </a:path>
-            </a:pathLst>
-          </a:custGeom>
-          <a:blipFill>
-            <a:blip r:embed="rId3"/>
-            <a:stretch>
-              <a:fillRect/>
-            </a:stretch>
-          </a:blipFill>
-        </p:spPr>
-        <p:txBody>
-          <a:bodyPr/>
-          <a:lstStyle/>
-          <a:p>
-            <a:endParaRPr lang="es-MX"/>
-          </a:p>
-        </p:txBody>
-      </p:sp>
-      <p:sp>
-        <p:nvSpPr>
-          <p:cNvPr id="4" name="Freeform 4"/>
-          <p:cNvSpPr/>
-          <p:nvPr/>
-        </p:nvSpPr>
-        <p:spPr>
-          <a:xfrm rot="-2889365">
-            <a:off x="11447512" y="4817265"/>
-            <a:ext cx="529183" cy="526602"/>
-          </a:xfrm>
-          <a:custGeom>
-            <a:avLst/>
-            <a:gdLst/>
-            <a:ahLst/>
-            <a:cxnLst/>
-            <a:rect l="l" t="t" r="r" b="b"/>
-            <a:pathLst>
-              <a:path w="529183" h="526602">
-                <a:moveTo>
-                  <a:pt x="0" y="0"/>
-                </a:moveTo>
-                <a:lnTo>
-                  <a:pt x="529183" y="0"/>
-                </a:lnTo>
-                <a:lnTo>
-                  <a:pt x="529183" y="526602"/>
-                </a:lnTo>
-                <a:lnTo>
-                  <a:pt x="0" y="526602"/>
-                </a:lnTo>
-                <a:lnTo>
-                  <a:pt x="0" y="0"/>
-                </a:lnTo>
-                <a:close/>
-              </a:path>
-            </a:pathLst>
-          </a:custGeom>
-          <a:blipFill>
-            <a:blip r:embed="rId4"/>
-            <a:stretch>
-              <a:fillRect/>
-            </a:stretch>
-          </a:blipFill>
-        </p:spPr>
-        <p:txBody>
-          <a:bodyPr/>
-          <a:lstStyle/>
-          <a:p>
-            <a:endParaRPr lang="es-MX"/>
-          </a:p>
-        </p:txBody>
-      </p:sp>
-      <p:sp>
-        <p:nvSpPr>
-          <p:cNvPr id="5" name="Freeform 5"/>
-          <p:cNvSpPr/>
-          <p:nvPr/>
-        </p:nvSpPr>
-        <p:spPr>
-          <a:xfrm rot="-2889365">
-            <a:off x="10642485" y="4265858"/>
-            <a:ext cx="888227" cy="883895"/>
-          </a:xfrm>
-          <a:custGeom>
-            <a:avLst/>
-            <a:gdLst/>
-            <a:ahLst/>
-            <a:cxnLst/>
-            <a:rect l="l" t="t" r="r" b="b"/>
-            <a:pathLst>
-              <a:path w="888227" h="883895">
-                <a:moveTo>
-                  <a:pt x="0" y="0"/>
-                </a:moveTo>
-                <a:lnTo>
-                  <a:pt x="888227" y="0"/>
-                </a:lnTo>
-                <a:lnTo>
-                  <a:pt x="888227" y="883895"/>
-                </a:lnTo>
-                <a:lnTo>
-                  <a:pt x="0" y="883895"/>
-                </a:lnTo>
-                <a:lnTo>
-                  <a:pt x="0" y="0"/>
-                </a:lnTo>
-                <a:close/>
-              </a:path>
-            </a:pathLst>
-          </a:custGeom>
-          <a:blipFill>
-            <a:blip r:embed="rId4"/>
-            <a:stretch>
-              <a:fillRect/>
-            </a:stretch>
-          </a:blipFill>
-        </p:spPr>
-        <p:txBody>
-          <a:bodyPr/>
-          <a:lstStyle/>
-          <a:p>
-            <a:endParaRPr lang="es-MX"/>
-          </a:p>
-        </p:txBody>
-      </p:sp>
-      <p:sp>
-        <p:nvSpPr>
-          <p:cNvPr id="6" name="Freeform 6"/>
-          <p:cNvSpPr/>
-          <p:nvPr/>
-        </p:nvSpPr>
-        <p:spPr>
-          <a:xfrm>
-            <a:off x="9312230" y="5060698"/>
-            <a:ext cx="1043383" cy="1043383"/>
-          </a:xfrm>
-          <a:custGeom>
-            <a:avLst/>
-            <a:gdLst/>
-            <a:ahLst/>
-            <a:cxnLst/>
-            <a:rect l="l" t="t" r="r" b="b"/>
-            <a:pathLst>
-              <a:path w="1043383" h="1043383">
-                <a:moveTo>
-                  <a:pt x="0" y="0"/>
-                </a:moveTo>
-                <a:lnTo>
-                  <a:pt x="1043383" y="0"/>
-                </a:lnTo>
-                <a:lnTo>
-                  <a:pt x="1043383" y="1043383"/>
-                </a:lnTo>
-                <a:lnTo>
-                  <a:pt x="0" y="1043383"/>
-                </a:lnTo>
-                <a:lnTo>
-                  <a:pt x="0" y="0"/>
-                </a:lnTo>
-                <a:close/>
-              </a:path>
-            </a:pathLst>
-          </a:custGeom>
-          <a:blipFill>
-            <a:blip r:embed="rId3"/>
-            <a:stretch>
-              <a:fillRect/>
-            </a:stretch>
-          </a:blipFill>
-        </p:spPr>
-        <p:txBody>
-          <a:bodyPr/>
-          <a:lstStyle/>
-          <a:p>
-            <a:endParaRPr lang="es-MX"/>
-          </a:p>
-        </p:txBody>
-      </p:sp>
-      <p:sp>
-        <p:nvSpPr>
-          <p:cNvPr id="7" name="Freeform 7"/>
-          <p:cNvSpPr/>
-          <p:nvPr/>
-        </p:nvSpPr>
-        <p:spPr>
-          <a:xfrm>
-            <a:off x="9833922" y="6172200"/>
-            <a:ext cx="1043383" cy="1043383"/>
-          </a:xfrm>
-          <a:custGeom>
-            <a:avLst/>
-            <a:gdLst/>
-            <a:ahLst/>
-            <a:cxnLst/>
-            <a:rect l="l" t="t" r="r" b="b"/>
-            <a:pathLst>
-              <a:path w="1043383" h="1043383">
-                <a:moveTo>
-                  <a:pt x="0" y="0"/>
-                </a:moveTo>
-                <a:lnTo>
-                  <a:pt x="1043383" y="0"/>
-                </a:lnTo>
-                <a:lnTo>
-                  <a:pt x="1043383" y="1043383"/>
-                </a:lnTo>
-                <a:lnTo>
-                  <a:pt x="0" y="1043383"/>
-                </a:lnTo>
-                <a:lnTo>
-                  <a:pt x="0" y="0"/>
-                </a:lnTo>
-                <a:close/>
-              </a:path>
-            </a:pathLst>
-          </a:custGeom>
-          <a:blipFill>
-            <a:blip r:embed="rId3"/>
-            <a:stretch>
-              <a:fillRect/>
-            </a:stretch>
-          </a:blipFill>
-        </p:spPr>
-        <p:txBody>
-          <a:bodyPr/>
-          <a:lstStyle/>
-          <a:p>
-            <a:endParaRPr lang="es-MX"/>
-          </a:p>
-        </p:txBody>
-      </p:sp>
-      <p:sp>
-        <p:nvSpPr>
-          <p:cNvPr id="8" name="Freeform 8"/>
-          <p:cNvSpPr/>
-          <p:nvPr/>
-        </p:nvSpPr>
-        <p:spPr>
-          <a:xfrm rot="-2889365">
-            <a:off x="11594351" y="6215707"/>
-            <a:ext cx="740611" cy="736998"/>
-          </a:xfrm>
-          <a:custGeom>
-            <a:avLst/>
-            <a:gdLst/>
-            <a:ahLst/>
-            <a:cxnLst/>
-            <a:rect l="l" t="t" r="r" b="b"/>
-            <a:pathLst>
-              <a:path w="740611" h="736998">
-                <a:moveTo>
-                  <a:pt x="0" y="0"/>
-                </a:moveTo>
-                <a:lnTo>
-                  <a:pt x="740611" y="0"/>
-                </a:lnTo>
-                <a:lnTo>
-                  <a:pt x="740611" y="736998"/>
-                </a:lnTo>
-                <a:lnTo>
-                  <a:pt x="0" y="736998"/>
-                </a:lnTo>
-                <a:lnTo>
-                  <a:pt x="0" y="0"/>
-                </a:lnTo>
-                <a:close/>
-              </a:path>
-            </a:pathLst>
-          </a:custGeom>
-          <a:blipFill>
-            <a:blip r:embed="rId4"/>
-            <a:stretch>
-              <a:fillRect/>
-            </a:stretch>
-          </a:blipFill>
-        </p:spPr>
-        <p:txBody>
-          <a:bodyPr/>
-          <a:lstStyle/>
-          <a:p>
-            <a:endParaRPr lang="es-MX"/>
-          </a:p>
-        </p:txBody>
-      </p:sp>
-    </p:spTree>
-  </p:cSld>
-  <p:clrMapOvr>
-    <a:masterClrMapping/>
-  </p:clrMapOvr>
-</p:sld>
-</file>
-
-<file path=ppt/slides/slide3.xml><?xml version="1.0" encoding="utf-8"?>
-<p:sld xmlns:a="http://schemas.openxmlformats.org/drawingml/2006/main" xmlns:r="http://schemas.openxmlformats.org/officeDocument/2006/relationships" xmlns:p="http://schemas.openxmlformats.org/presentationml/2006/main">
-  <p:cSld>
-    <p:bg>
-      <p:bgPr>
-        <a:solidFill>
-          <a:srgbClr val="0CADEC"/>
-        </a:solidFill>
-        <a:effectLst/>
-      </p:bgPr>
-    </p:bg>
-    <p:spTree>
-      <p:nvGrpSpPr>
-        <p:cNvPr id="1" name=""/>
-        <p:cNvGrpSpPr/>
-        <p:nvPr/>
-      </p:nvGrpSpPr>
-      <p:grpSpPr>
-        <a:xfrm>
-          <a:off x="0" y="0"/>
-          <a:ext cx="0" cy="0"/>
-          <a:chOff x="0" y="0"/>
-          <a:chExt cx="0" cy="0"/>
-        </a:xfrm>
-      </p:grpSpPr>
-      <p:sp>
-        <p:nvSpPr>
-          <p:cNvPr id="2" name="Freeform 2"/>
-          <p:cNvSpPr/>
-          <p:nvPr/>
-        </p:nvSpPr>
-        <p:spPr>
-          <a:xfrm>
-            <a:off x="694821" y="660899"/>
-            <a:ext cx="995535" cy="960250"/>
-          </a:xfrm>
-          <a:custGeom>
-            <a:avLst/>
-            <a:gdLst/>
-            <a:ahLst/>
-            <a:cxnLst/>
-            <a:rect l="l" t="t" r="r" b="b"/>
-            <a:pathLst>
-              <a:path w="995535" h="960250">
-                <a:moveTo>
-                  <a:pt x="0" y="0"/>
-                </a:moveTo>
-                <a:lnTo>
-                  <a:pt x="995534" y="0"/>
-                </a:lnTo>
-                <a:lnTo>
-                  <a:pt x="995534" y="960250"/>
-                </a:lnTo>
-                <a:lnTo>
-                  <a:pt x="0" y="960250"/>
-                </a:lnTo>
-                <a:lnTo>
-                  <a:pt x="0" y="0"/>
-                </a:lnTo>
-                <a:close/>
-              </a:path>
-            </a:pathLst>
-          </a:custGeom>
-          <a:blipFill>
-            <a:blip r:embed="rId2"/>
-            <a:stretch>
-              <a:fillRect l="-18571" t="-18861" r="-8951" b="-13347"/>
-            </a:stretch>
-          </a:blipFill>
-        </p:spPr>
-        <p:txBody>
-          <a:bodyPr/>
-          <a:lstStyle/>
-          <a:p>
-            <a:endParaRPr lang="es-MX"/>
-          </a:p>
-        </p:txBody>
-      </p:sp>
-      <p:sp>
-        <p:nvSpPr>
-          <p:cNvPr id="3" name="Freeform 3"/>
-          <p:cNvSpPr/>
-          <p:nvPr/>
-        </p:nvSpPr>
-        <p:spPr>
-          <a:xfrm>
-            <a:off x="405303" y="200752"/>
-            <a:ext cx="579035" cy="579035"/>
-          </a:xfrm>
-          <a:custGeom>
-            <a:avLst/>
-            <a:gdLst/>
-            <a:ahLst/>
-            <a:cxnLst/>
-            <a:rect l="l" t="t" r="r" b="b"/>
-            <a:pathLst>
-              <a:path w="579035" h="579035">
-                <a:moveTo>
-                  <a:pt x="0" y="0"/>
-                </a:moveTo>
-                <a:lnTo>
-                  <a:pt x="579035" y="0"/>
-                </a:lnTo>
-                <a:lnTo>
-                  <a:pt x="579035" y="579035"/>
-                </a:lnTo>
-                <a:lnTo>
-                  <a:pt x="0" y="579035"/>
-                </a:lnTo>
-                <a:lnTo>
-                  <a:pt x="0" y="0"/>
-                </a:lnTo>
-                <a:close/>
-              </a:path>
-            </a:pathLst>
-          </a:custGeom>
-          <a:blipFill>
-            <a:blip r:embed="rId3"/>
-            <a:stretch>
-              <a:fillRect/>
-            </a:stretch>
-          </a:blipFill>
-        </p:spPr>
-        <p:txBody>
-          <a:bodyPr/>
-          <a:lstStyle/>
-          <a:p>
-            <a:endParaRPr lang="es-MX"/>
-          </a:p>
-        </p:txBody>
-      </p:sp>
-      <p:sp>
-        <p:nvSpPr>
-          <p:cNvPr id="4" name="Freeform 4"/>
-          <p:cNvSpPr/>
-          <p:nvPr/>
-        </p:nvSpPr>
-        <p:spPr>
-          <a:xfrm rot="-2889365">
-            <a:off x="1497202" y="-145792"/>
-            <a:ext cx="529183" cy="526602"/>
-          </a:xfrm>
-          <a:custGeom>
-            <a:avLst/>
-            <a:gdLst/>
-            <a:ahLst/>
-            <a:cxnLst/>
-            <a:rect l="l" t="t" r="r" b="b"/>
-            <a:pathLst>
-              <a:path w="529183" h="526602">
-                <a:moveTo>
-                  <a:pt x="0" y="0"/>
-                </a:moveTo>
-                <a:lnTo>
-                  <a:pt x="529183" y="0"/>
-                </a:lnTo>
-                <a:lnTo>
-                  <a:pt x="529183" y="526602"/>
-                </a:lnTo>
-                <a:lnTo>
-                  <a:pt x="0" y="526602"/>
-                </a:lnTo>
-                <a:lnTo>
-                  <a:pt x="0" y="0"/>
-                </a:lnTo>
-                <a:close/>
-              </a:path>
-            </a:pathLst>
-          </a:custGeom>
-          <a:blipFill>
-            <a:blip r:embed="rId4"/>
-            <a:stretch>
-              <a:fillRect/>
-            </a:stretch>
-          </a:blipFill>
-        </p:spPr>
-        <p:txBody>
-          <a:bodyPr/>
-          <a:lstStyle/>
-          <a:p>
-            <a:endParaRPr lang="es-MX"/>
-          </a:p>
-        </p:txBody>
-      </p:sp>
-      <p:sp>
-        <p:nvSpPr>
-          <p:cNvPr id="5" name="Freeform 5"/>
-          <p:cNvSpPr/>
-          <p:nvPr/>
-        </p:nvSpPr>
-        <p:spPr>
-          <a:xfrm rot="-2889365">
-            <a:off x="748474" y="-287834"/>
-            <a:ext cx="888227" cy="883895"/>
-          </a:xfrm>
-          <a:custGeom>
-            <a:avLst/>
-            <a:gdLst/>
-            <a:ahLst/>
-            <a:cxnLst/>
-            <a:rect l="l" t="t" r="r" b="b"/>
-            <a:pathLst>
-              <a:path w="888227" h="883895">
-                <a:moveTo>
-                  <a:pt x="0" y="0"/>
-                </a:moveTo>
-                <a:lnTo>
-                  <a:pt x="888228" y="0"/>
-                </a:lnTo>
-                <a:lnTo>
-                  <a:pt x="888228" y="883894"/>
-                </a:lnTo>
-                <a:lnTo>
-                  <a:pt x="0" y="883894"/>
-                </a:lnTo>
-                <a:lnTo>
-                  <a:pt x="0" y="0"/>
-                </a:lnTo>
-                <a:close/>
-              </a:path>
-            </a:pathLst>
-          </a:custGeom>
-          <a:blipFill>
-            <a:blip r:embed="rId4"/>
-            <a:stretch>
-              <a:fillRect/>
-            </a:stretch>
-          </a:blipFill>
-        </p:spPr>
-        <p:txBody>
-          <a:bodyPr/>
-          <a:lstStyle/>
-          <a:p>
-            <a:endParaRPr lang="es-MX"/>
-          </a:p>
-        </p:txBody>
-      </p:sp>
-      <p:sp>
-        <p:nvSpPr>
-          <p:cNvPr id="6" name="Freeform 6"/>
-          <p:cNvSpPr/>
-          <p:nvPr/>
-        </p:nvSpPr>
-        <p:spPr>
-          <a:xfrm>
-            <a:off x="-638080" y="97641"/>
-            <a:ext cx="1043383" cy="1043383"/>
-          </a:xfrm>
-          <a:custGeom>
-            <a:avLst/>
-            <a:gdLst/>
-            <a:ahLst/>
-            <a:cxnLst/>
-            <a:rect l="l" t="t" r="r" b="b"/>
-            <a:pathLst>
-              <a:path w="1043383" h="1043383">
-                <a:moveTo>
-                  <a:pt x="0" y="0"/>
-                </a:moveTo>
-                <a:lnTo>
-                  <a:pt x="1043383" y="0"/>
-                </a:lnTo>
-                <a:lnTo>
-                  <a:pt x="1043383" y="1043383"/>
-                </a:lnTo>
-                <a:lnTo>
-                  <a:pt x="0" y="1043383"/>
-                </a:lnTo>
-                <a:lnTo>
-                  <a:pt x="0" y="0"/>
-                </a:lnTo>
-                <a:close/>
-              </a:path>
-            </a:pathLst>
-          </a:custGeom>
-          <a:blipFill>
-            <a:blip r:embed="rId3"/>
-            <a:stretch>
-              <a:fillRect/>
-            </a:stretch>
-          </a:blipFill>
-        </p:spPr>
-        <p:txBody>
-          <a:bodyPr/>
-          <a:lstStyle/>
-          <a:p>
-            <a:endParaRPr lang="es-MX"/>
-          </a:p>
-        </p:txBody>
-      </p:sp>
-      <p:sp>
-        <p:nvSpPr>
-          <p:cNvPr id="7" name="Freeform 7"/>
-          <p:cNvSpPr/>
-          <p:nvPr/>
-        </p:nvSpPr>
-        <p:spPr>
-          <a:xfrm>
-            <a:off x="-357583" y="943801"/>
-            <a:ext cx="1043383" cy="1043383"/>
-          </a:xfrm>
-          <a:custGeom>
-            <a:avLst/>
-            <a:gdLst/>
-            <a:ahLst/>
-            <a:cxnLst/>
-            <a:rect l="l" t="t" r="r" b="b"/>
-            <a:pathLst>
-              <a:path w="1043383" h="1043383">
-                <a:moveTo>
-                  <a:pt x="0" y="0"/>
-                </a:moveTo>
-                <a:lnTo>
-                  <a:pt x="1043383" y="0"/>
-                </a:lnTo>
-                <a:lnTo>
-                  <a:pt x="1043383" y="1043383"/>
-                </a:lnTo>
-                <a:lnTo>
-                  <a:pt x="0" y="1043383"/>
-                </a:lnTo>
-                <a:lnTo>
-                  <a:pt x="0" y="0"/>
-                </a:lnTo>
-                <a:close/>
-              </a:path>
-            </a:pathLst>
-          </a:custGeom>
-          <a:blipFill>
-            <a:blip r:embed="rId3"/>
-            <a:stretch>
-              <a:fillRect/>
-            </a:stretch>
-          </a:blipFill>
-        </p:spPr>
-        <p:txBody>
-          <a:bodyPr/>
-          <a:lstStyle/>
-          <a:p>
-            <a:endParaRPr lang="es-MX"/>
-          </a:p>
-        </p:txBody>
-      </p:sp>
-      <p:sp>
-        <p:nvSpPr>
-          <p:cNvPr id="8" name="Freeform 8"/>
-          <p:cNvSpPr/>
-          <p:nvPr/>
-        </p:nvSpPr>
-        <p:spPr>
-          <a:xfrm rot="-2889365">
-            <a:off x="1644041" y="1252650"/>
-            <a:ext cx="740611" cy="736998"/>
-          </a:xfrm>
-          <a:custGeom>
-            <a:avLst/>
-            <a:gdLst/>
-            <a:ahLst/>
-            <a:cxnLst/>
-            <a:rect l="l" t="t" r="r" b="b"/>
-            <a:pathLst>
-              <a:path w="740611" h="736998">
-                <a:moveTo>
-                  <a:pt x="0" y="0"/>
-                </a:moveTo>
-                <a:lnTo>
-                  <a:pt x="740611" y="0"/>
-                </a:lnTo>
-                <a:lnTo>
-                  <a:pt x="740611" y="736998"/>
-                </a:lnTo>
-                <a:lnTo>
-                  <a:pt x="0" y="736998"/>
-                </a:lnTo>
-                <a:lnTo>
-                  <a:pt x="0" y="0"/>
-                </a:lnTo>
-                <a:close/>
-              </a:path>
-            </a:pathLst>
-          </a:custGeom>
-          <a:blipFill>
-            <a:blip r:embed="rId4"/>
-            <a:stretch>
-              <a:fillRect/>
-            </a:stretch>
-          </a:blipFill>
-        </p:spPr>
-        <p:txBody>
-          <a:bodyPr/>
-          <a:lstStyle/>
-          <a:p>
-            <a:endParaRPr lang="es-MX"/>
-          </a:p>
-        </p:txBody>
-      </p:sp>
-      <p:sp>
-        <p:nvSpPr>
-          <p:cNvPr id="9" name="Freeform 9"/>
-          <p:cNvSpPr/>
-          <p:nvPr/>
-        </p:nvSpPr>
-        <p:spPr>
-          <a:xfrm>
-            <a:off x="1555418" y="490269"/>
-            <a:ext cx="579035" cy="579035"/>
-          </a:xfrm>
-          <a:custGeom>
-            <a:avLst/>
-            <a:gdLst/>
-            <a:ahLst/>
-            <a:cxnLst/>
-            <a:rect l="l" t="t" r="r" b="b"/>
-            <a:pathLst>
-              <a:path w="579035" h="579035">
-                <a:moveTo>
-                  <a:pt x="0" y="0"/>
-                </a:moveTo>
-                <a:lnTo>
-                  <a:pt x="579035" y="0"/>
-                </a:lnTo>
-                <a:lnTo>
-                  <a:pt x="579035" y="579035"/>
-                </a:lnTo>
-                <a:lnTo>
-                  <a:pt x="0" y="579035"/>
-                </a:lnTo>
-                <a:lnTo>
-                  <a:pt x="0" y="0"/>
-                </a:lnTo>
-                <a:close/>
-              </a:path>
-            </a:pathLst>
-          </a:custGeom>
-          <a:blipFill>
-            <a:blip r:embed="rId3"/>
-            <a:stretch>
-              <a:fillRect/>
-            </a:stretch>
-          </a:blipFill>
-        </p:spPr>
-        <p:txBody>
-          <a:bodyPr/>
-          <a:lstStyle/>
-          <a:p>
-            <a:endParaRPr lang="es-MX"/>
-          </a:p>
-        </p:txBody>
-      </p:sp>
-      <p:sp>
-        <p:nvSpPr>
-          <p:cNvPr id="10" name="Freeform 10"/>
-          <p:cNvSpPr/>
-          <p:nvPr/>
-        </p:nvSpPr>
-        <p:spPr>
-          <a:xfrm rot="-2889365">
-            <a:off x="655243" y="1757293"/>
-            <a:ext cx="658191" cy="654980"/>
-          </a:xfrm>
-          <a:custGeom>
-            <a:avLst/>
-            <a:gdLst/>
-            <a:ahLst/>
-            <a:cxnLst/>
-            <a:rect l="l" t="t" r="r" b="b"/>
-            <a:pathLst>
-              <a:path w="658191" h="654980">
-                <a:moveTo>
-                  <a:pt x="0" y="0"/>
-                </a:moveTo>
-                <a:lnTo>
-                  <a:pt x="658191" y="0"/>
-                </a:lnTo>
-                <a:lnTo>
-                  <a:pt x="658191" y="654980"/>
-                </a:lnTo>
-                <a:lnTo>
-                  <a:pt x="0" y="654980"/>
-                </a:lnTo>
-                <a:lnTo>
-                  <a:pt x="0" y="0"/>
-                </a:lnTo>
-                <a:close/>
-              </a:path>
-            </a:pathLst>
-          </a:custGeom>
-          <a:blipFill>
-            <a:blip r:embed="rId4"/>
-            <a:stretch>
-              <a:fillRect/>
-            </a:stretch>
-          </a:blipFill>
-        </p:spPr>
-        <p:txBody>
-          <a:bodyPr/>
-          <a:lstStyle/>
-          <a:p>
-            <a:endParaRPr lang="es-MX"/>
-          </a:p>
-        </p:txBody>
-      </p:sp>
-    </p:spTree>
-  </p:cSld>
-  <p:clrMapOvr>
-    <a:masterClrMapping/>
-  </p:clrMapOvr>
-</p:sld>
-</file>
-
-<file path=ppt/slides/slide4.xml><?xml version="1.0" encoding="utf-8"?>
-<p:sld xmlns:a="http://schemas.openxmlformats.org/drawingml/2006/main" xmlns:r="http://schemas.openxmlformats.org/officeDocument/2006/relationships" xmlns:p="http://schemas.openxmlformats.org/presentationml/2006/main">
-  <p:cSld>
-    <p:spTree>
-      <p:nvGrpSpPr>
-        <p:cNvPr id="1" name=""/>
-        <p:cNvGrpSpPr/>
-        <p:nvPr/>
-      </p:nvGrpSpPr>
-      <p:grpSpPr>
-        <a:xfrm>
-          <a:off x="0" y="0"/>
-          <a:ext cx="0" cy="0"/>
-          <a:chOff x="0" y="0"/>
-          <a:chExt cx="0" cy="0"/>
-        </a:xfrm>
-      </p:grpSpPr>
-      <p:grpSp>
-        <p:nvGrpSpPr>
-          <p:cNvPr id="2" name="Group 2"/>
-          <p:cNvGrpSpPr/>
-          <p:nvPr/>
-        </p:nvGrpSpPr>
-        <p:grpSpPr>
-          <a:xfrm>
-            <a:off x="1230052" y="1476707"/>
-            <a:ext cx="3904586" cy="4016846"/>
-            <a:chOff x="0" y="0"/>
-            <a:chExt cx="1542552" cy="1586902"/>
-          </a:xfrm>
-        </p:grpSpPr>
-        <p:sp>
-          <p:nvSpPr>
-            <p:cNvPr id="3" name="Freeform 3"/>
-            <p:cNvSpPr/>
-            <p:nvPr/>
-          </p:nvSpPr>
-          <p:spPr>
-            <a:xfrm>
-              <a:off x="0" y="0"/>
-              <a:ext cx="1542552" cy="1586902"/>
-            </a:xfrm>
-            <a:custGeom>
-              <a:avLst/>
-              <a:gdLst/>
-              <a:ahLst/>
-              <a:cxnLst/>
-              <a:rect l="l" t="t" r="r" b="b"/>
-              <a:pathLst>
-                <a:path w="1542552" h="1586902">
-                  <a:moveTo>
-                    <a:pt x="0" y="0"/>
-                  </a:moveTo>
-                  <a:lnTo>
-                    <a:pt x="1542552" y="0"/>
-                  </a:lnTo>
-                  <a:lnTo>
-                    <a:pt x="1542552" y="1586902"/>
-                  </a:lnTo>
-                  <a:lnTo>
-                    <a:pt x="0" y="1586902"/>
-                  </a:lnTo>
-                  <a:close/>
-                </a:path>
-              </a:pathLst>
-            </a:custGeom>
-            <a:solidFill>
-              <a:srgbClr val="0CADEC"/>
-            </a:solidFill>
-          </p:spPr>
-          <p:txBody>
-            <a:bodyPr/>
-            <a:lstStyle/>
-            <a:p>
-              <a:endParaRPr lang="es-MX"/>
-            </a:p>
-          </p:txBody>
-        </p:sp>
-        <p:sp>
-          <p:nvSpPr>
-            <p:cNvPr id="4" name="TextBox 4"/>
-            <p:cNvSpPr txBox="1"/>
-            <p:nvPr/>
-          </p:nvSpPr>
-          <p:spPr>
-            <a:xfrm>
-              <a:off x="0" y="-38100"/>
-              <a:ext cx="1542552" cy="1625002"/>
-            </a:xfrm>
-            <a:prstGeom prst="rect">
-              <a:avLst/>
-            </a:prstGeom>
-          </p:spPr>
-          <p:txBody>
-            <a:bodyPr lIns="50800" tIns="50800" rIns="50800" bIns="50800" rtlCol="0" anchor="ctr"/>
-            <a:lstStyle/>
-            <a:p>
-              <a:pPr algn="ctr">
-                <a:lnSpc>
-                  <a:spcPts val="1819"/>
-                </a:lnSpc>
-              </a:pPr>
-              <a:endParaRPr/>
-            </a:p>
-          </p:txBody>
-        </p:sp>
-      </p:grpSp>
-      <p:sp>
-        <p:nvSpPr>
-          <p:cNvPr id="5" name="Freeform 5"/>
-          <p:cNvSpPr/>
-          <p:nvPr/>
-        </p:nvSpPr>
-        <p:spPr>
-          <a:xfrm>
-            <a:off x="1524259" y="1689270"/>
-            <a:ext cx="3479459" cy="3479459"/>
-          </a:xfrm>
-          <a:custGeom>
-            <a:avLst/>
-            <a:gdLst/>
-            <a:ahLst/>
-            <a:cxnLst/>
-            <a:rect l="l" t="t" r="r" b="b"/>
-            <a:pathLst>
-              <a:path w="3479459" h="3479459">
-                <a:moveTo>
-                  <a:pt x="0" y="0"/>
-                </a:moveTo>
-                <a:lnTo>
-                  <a:pt x="3479459" y="0"/>
-                </a:lnTo>
-                <a:lnTo>
-                  <a:pt x="3479459" y="3479460"/>
-                </a:lnTo>
-                <a:lnTo>
-                  <a:pt x="0" y="3479460"/>
-                </a:lnTo>
-                <a:lnTo>
-                  <a:pt x="0" y="0"/>
-                </a:lnTo>
-                <a:close/>
-              </a:path>
-            </a:pathLst>
-          </a:custGeom>
-          <a:blipFill>
-            <a:blip r:embed="rId2"/>
-            <a:stretch>
-              <a:fillRect/>
-            </a:stretch>
-          </a:blipFill>
-        </p:spPr>
-        <p:txBody>
-          <a:bodyPr/>
-          <a:lstStyle/>
-          <a:p>
-            <a:endParaRPr lang="es-MX"/>
-          </a:p>
-        </p:txBody>
-      </p:sp>
-      <p:sp>
-        <p:nvSpPr>
-          <p:cNvPr id="6" name="Freeform 6"/>
-          <p:cNvSpPr/>
-          <p:nvPr/>
-        </p:nvSpPr>
-        <p:spPr>
-          <a:xfrm>
-            <a:off x="7390305" y="1868322"/>
-            <a:ext cx="3453015" cy="3233615"/>
-          </a:xfrm>
-          <a:custGeom>
-            <a:avLst/>
-            <a:gdLst/>
-            <a:ahLst/>
-            <a:cxnLst/>
-            <a:rect l="l" t="t" r="r" b="b"/>
-            <a:pathLst>
-              <a:path w="3453015" h="3233615">
-                <a:moveTo>
-                  <a:pt x="0" y="0"/>
-                </a:moveTo>
-                <a:lnTo>
-                  <a:pt x="3453015" y="0"/>
-                </a:lnTo>
-                <a:lnTo>
-                  <a:pt x="3453015" y="3233616"/>
-                </a:lnTo>
-                <a:lnTo>
-                  <a:pt x="0" y="3233616"/>
-                </a:lnTo>
-                <a:lnTo>
-                  <a:pt x="0" y="0"/>
-                </a:lnTo>
-                <a:close/>
-              </a:path>
-            </a:pathLst>
-          </a:custGeom>
-          <a:blipFill>
-            <a:blip r:embed="rId3"/>
-            <a:stretch>
-              <a:fillRect/>
-            </a:stretch>
-          </a:blipFill>
-        </p:spPr>
-        <p:txBody>
-          <a:bodyPr/>
-          <a:lstStyle/>
-          <a:p>
-            <a:endParaRPr lang="es-MX"/>
-          </a:p>
-        </p:txBody>
-      </p:sp>
-    </p:spTree>
-  </p:cSld>
-  <p:clrMapOvr>
-    <a:masterClrMapping/>
-  </p:clrMapOvr>
-</p:sld>
-</file>
-
-<file path=ppt/slides/slide5.xml><?xml version="1.0" encoding="utf-8"?>
-<p:sld xmlns:a="http://schemas.openxmlformats.org/drawingml/2006/main" xmlns:r="http://schemas.openxmlformats.org/officeDocument/2006/relationships" xmlns:p="http://schemas.openxmlformats.org/presentationml/2006/main">
-  <p:cSld>
-    <p:spTree>
-      <p:nvGrpSpPr>
-        <p:cNvPr id="1" name=""/>
-        <p:cNvGrpSpPr/>
-        <p:nvPr/>
-      </p:nvGrpSpPr>
-      <p:grpSpPr>
-        <a:xfrm>
-          <a:off x="0" y="0"/>
-          <a:ext cx="0" cy="0"/>
-          <a:chOff x="0" y="0"/>
-          <a:chExt cx="0" cy="0"/>
-        </a:xfrm>
-      </p:grpSpPr>
-      <p:sp>
-        <p:nvSpPr>
-          <p:cNvPr id="2" name="TextBox 2"/>
-          <p:cNvSpPr txBox="1"/>
-          <p:nvPr/>
-        </p:nvSpPr>
-        <p:spPr>
-          <a:xfrm>
-            <a:off x="4951778" y="629287"/>
-            <a:ext cx="2288444" cy="1392007"/>
-          </a:xfrm>
-          <a:prstGeom prst="rect">
-            <a:avLst/>
-          </a:prstGeom>
-        </p:spPr>
-        <p:txBody>
-          <a:bodyPr lIns="0" tIns="0" rIns="0" bIns="0" rtlCol="0" anchor="t">
-            <a:spAutoFit/>
-          </a:bodyPr>
-          <a:lstStyle/>
-          <a:p>
-            <a:pPr algn="ctr">
-              <a:lnSpc>
-                <a:spcPts val="9866"/>
-              </a:lnSpc>
-            </a:pPr>
-            <a:r>
-              <a:rPr lang="en-US" sz="7047" b="1" dirty="0">
-                <a:solidFill>
-                  <a:srgbClr val="000000"/>
-                </a:solidFill>
-                <a:latin typeface="Helvetica Bold"/>
-                <a:ea typeface="Helvetica Bold"/>
-                <a:cs typeface="Helvetica Bold"/>
-                <a:sym typeface="Helvetica Bold"/>
-              </a:rPr>
-              <a:t>STAFF</a:t>
-            </a:r>
-          </a:p>
-        </p:txBody>
-      </p:sp>
-      <p:sp>
-        <p:nvSpPr>
-          <p:cNvPr id="3" name="TextBox 3"/>
-          <p:cNvSpPr txBox="1"/>
-          <p:nvPr/>
-        </p:nvSpPr>
-        <p:spPr>
-          <a:xfrm>
-            <a:off x="3048000" y="2768971"/>
-            <a:ext cx="4470001" cy="1269578"/>
-          </a:xfrm>
-          <a:prstGeom prst="rect">
-            <a:avLst/>
-          </a:prstGeom>
-        </p:spPr>
-        <p:txBody>
-          <a:bodyPr wrap="square" lIns="0" tIns="0" rIns="0" bIns="0" rtlCol="0" anchor="t">
-            <a:spAutoFit/>
-          </a:bodyPr>
-          <a:lstStyle/>
-          <a:p>
-            <a:pPr algn="ctr">
-              <a:lnSpc>
-                <a:spcPts val="9866"/>
-              </a:lnSpc>
-            </a:pPr>
-            <a:r>
-              <a:rPr lang="en-US" sz="7047" dirty="0">
-                <a:solidFill>
-                  <a:srgbClr val="000000"/>
-                </a:solidFill>
-                <a:latin typeface="House-A-Rama-League-Night"/>
-                <a:ea typeface="House-A-Rama-League-Night"/>
-                <a:cs typeface="House-A-Rama-League-Night"/>
-                <a:sym typeface="House-A-Rama-League-Night"/>
-              </a:rPr>
-              <a:t>STAFF</a:t>
-            </a:r>
-          </a:p>
-        </p:txBody>
-      </p:sp>
-      <p:sp>
-        <p:nvSpPr>
-          <p:cNvPr id="4" name="TextBox 4"/>
-          <p:cNvSpPr txBox="1"/>
-          <p:nvPr/>
-        </p:nvSpPr>
-        <p:spPr>
-          <a:xfrm>
-            <a:off x="1600200" y="4684307"/>
-            <a:ext cx="5949595" cy="1223348"/>
-          </a:xfrm>
-          <a:prstGeom prst="rect">
-            <a:avLst/>
-          </a:prstGeom>
-        </p:spPr>
-        <p:txBody>
-          <a:bodyPr wrap="square" lIns="0" tIns="0" rIns="0" bIns="0" rtlCol="0" anchor="t">
-            <a:spAutoFit/>
-          </a:bodyPr>
-          <a:lstStyle/>
-          <a:p>
-            <a:pPr algn="ctr">
-              <a:lnSpc>
-                <a:spcPts val="9866"/>
-              </a:lnSpc>
-            </a:pPr>
-            <a:r>
-              <a:rPr lang="en-US" sz="7047" dirty="0">
-                <a:solidFill>
-                  <a:srgbClr val="000000"/>
-                </a:solidFill>
-                <a:latin typeface="COCOGOOSE"/>
-                <a:ea typeface="COCOGOOSE"/>
-                <a:cs typeface="COCOGOOSE"/>
-                <a:sym typeface="COCOGOOSE"/>
-              </a:rPr>
-              <a:t>STAFF</a:t>
-            </a:r>
-          </a:p>
-        </p:txBody>
-      </p:sp>
-    </p:spTree>
-  </p:cSld>
-  <p:clrMapOvr>
-    <a:masterClrMapping/>
-  </p:clrMapOvr>
-</p:sld>
-</file>
-
-<file path=ppt/slides/slide6.xml><?xml version="1.0" encoding="utf-8"?>
-<p:sld xmlns:a="http://schemas.openxmlformats.org/drawingml/2006/main" xmlns:r="http://schemas.openxmlformats.org/officeDocument/2006/relationships" xmlns:p="http://schemas.openxmlformats.org/presentationml/2006/main">
-  <p:cSld>
-    <p:spTree>
-      <p:nvGrpSpPr>
-        <p:cNvPr id="1" name=""/>
-        <p:cNvGrpSpPr/>
-        <p:nvPr/>
-      </p:nvGrpSpPr>
-      <p:grpSpPr>
-        <a:xfrm>
-          <a:off x="0" y="0"/>
-          <a:ext cx="0" cy="0"/>
-          <a:chOff x="0" y="0"/>
-          <a:chExt cx="0" cy="0"/>
-        </a:xfrm>
-      </p:grpSpPr>
-      <p:sp>
-        <p:nvSpPr>
-          <p:cNvPr id="2" name="Freeform 2"/>
-          <p:cNvSpPr/>
-          <p:nvPr/>
-        </p:nvSpPr>
-        <p:spPr>
-          <a:xfrm>
-            <a:off x="685800" y="685800"/>
-            <a:ext cx="2280319" cy="2280319"/>
-          </a:xfrm>
-          <a:custGeom>
-            <a:avLst/>
-            <a:gdLst/>
-            <a:ahLst/>
-            <a:cxnLst/>
-            <a:rect l="l" t="t" r="r" b="b"/>
-            <a:pathLst>
-              <a:path w="2280319" h="2280319">
-                <a:moveTo>
-                  <a:pt x="0" y="0"/>
-                </a:moveTo>
-                <a:lnTo>
-                  <a:pt x="2280319" y="0"/>
-                </a:lnTo>
-                <a:lnTo>
-                  <a:pt x="2280319" y="2280319"/>
-                </a:lnTo>
-                <a:lnTo>
-                  <a:pt x="0" y="2280319"/>
-                </a:lnTo>
-                <a:lnTo>
-                  <a:pt x="0" y="0"/>
-                </a:lnTo>
-                <a:close/>
-              </a:path>
-            </a:pathLst>
-          </a:custGeom>
-          <a:blipFill>
-            <a:blip r:embed="rId2"/>
-            <a:stretch>
-              <a:fillRect/>
-            </a:stretch>
-          </a:blipFill>
-        </p:spPr>
-        <p:txBody>
-          <a:bodyPr/>
-          <a:lstStyle/>
-          <a:p>
-            <a:endParaRPr lang="es-MX"/>
-          </a:p>
-        </p:txBody>
-      </p:sp>
-      <p:sp>
-        <p:nvSpPr>
-          <p:cNvPr id="3" name="Freeform 3"/>
-          <p:cNvSpPr/>
-          <p:nvPr/>
-        </p:nvSpPr>
-        <p:spPr>
-          <a:xfrm>
-            <a:off x="4735025" y="464984"/>
-            <a:ext cx="2721951" cy="2721951"/>
-          </a:xfrm>
-          <a:custGeom>
-            <a:avLst/>
-            <a:gdLst/>
-            <a:ahLst/>
-            <a:cxnLst/>
-            <a:rect l="l" t="t" r="r" b="b"/>
-            <a:pathLst>
-              <a:path w="2721951" h="2721951">
-                <a:moveTo>
-                  <a:pt x="0" y="0"/>
-                </a:moveTo>
-                <a:lnTo>
-                  <a:pt x="2721950" y="0"/>
-                </a:lnTo>
-                <a:lnTo>
-                  <a:pt x="2721950" y="2721951"/>
-                </a:lnTo>
-                <a:lnTo>
-                  <a:pt x="0" y="2721951"/>
-                </a:lnTo>
-                <a:lnTo>
-                  <a:pt x="0" y="0"/>
-                </a:lnTo>
-                <a:close/>
-              </a:path>
-            </a:pathLst>
-          </a:custGeom>
-          <a:blipFill>
-            <a:blip r:embed="rId3"/>
-            <a:stretch>
-              <a:fillRect/>
-            </a:stretch>
-          </a:blipFill>
-        </p:spPr>
-        <p:txBody>
-          <a:bodyPr/>
-          <a:lstStyle/>
-          <a:p>
-            <a:endParaRPr lang="es-MX"/>
-          </a:p>
-        </p:txBody>
-      </p:sp>
-      <p:sp>
-        <p:nvSpPr>
-          <p:cNvPr id="4" name="Freeform 4"/>
-          <p:cNvSpPr/>
-          <p:nvPr/>
-        </p:nvSpPr>
-        <p:spPr>
-          <a:xfrm>
-            <a:off x="685800" y="3429000"/>
-            <a:ext cx="2507031" cy="2507031"/>
-          </a:xfrm>
-          <a:custGeom>
-            <a:avLst/>
-            <a:gdLst/>
-            <a:ahLst/>
-            <a:cxnLst/>
-            <a:rect l="l" t="t" r="r" b="b"/>
-            <a:pathLst>
-              <a:path w="2507031" h="2507031">
-                <a:moveTo>
-                  <a:pt x="0" y="0"/>
-                </a:moveTo>
-                <a:lnTo>
-                  <a:pt x="2507031" y="0"/>
-                </a:lnTo>
-                <a:lnTo>
-                  <a:pt x="2507031" y="2507031"/>
-                </a:lnTo>
-                <a:lnTo>
-                  <a:pt x="0" y="2507031"/>
-                </a:lnTo>
-                <a:lnTo>
-                  <a:pt x="0" y="0"/>
-                </a:lnTo>
-                <a:close/>
-              </a:path>
-            </a:pathLst>
-          </a:custGeom>
-          <a:blipFill>
-            <a:blip r:embed="rId4"/>
-            <a:stretch>
-              <a:fillRect/>
-            </a:stretch>
-          </a:blipFill>
-        </p:spPr>
-        <p:txBody>
-          <a:bodyPr/>
-          <a:lstStyle/>
-          <a:p>
-            <a:endParaRPr lang="es-MX"/>
-          </a:p>
-        </p:txBody>
-      </p:sp>
-      <p:sp>
-        <p:nvSpPr>
-          <p:cNvPr id="5" name="Freeform 5"/>
-          <p:cNvSpPr/>
-          <p:nvPr/>
-        </p:nvSpPr>
-        <p:spPr>
-          <a:xfrm>
-            <a:off x="4928928" y="3601887"/>
-            <a:ext cx="2334144" cy="2334144"/>
-          </a:xfrm>
-          <a:custGeom>
-            <a:avLst/>
-            <a:gdLst/>
-            <a:ahLst/>
-            <a:cxnLst/>
-            <a:rect l="l" t="t" r="r" b="b"/>
-            <a:pathLst>
-              <a:path w="2334144" h="2334144">
-                <a:moveTo>
-                  <a:pt x="0" y="0"/>
-                </a:moveTo>
-                <a:lnTo>
-                  <a:pt x="2334144" y="0"/>
-                </a:lnTo>
-                <a:lnTo>
-                  <a:pt x="2334144" y="2334144"/>
-                </a:lnTo>
-                <a:lnTo>
-                  <a:pt x="0" y="2334144"/>
-                </a:lnTo>
-                <a:lnTo>
-                  <a:pt x="0" y="0"/>
-                </a:lnTo>
-                <a:close/>
-              </a:path>
-            </a:pathLst>
-          </a:custGeom>
-          <a:blipFill>
-            <a:blip r:embed="rId5"/>
-            <a:stretch>
-              <a:fillRect/>
-            </a:stretch>
-          </a:blipFill>
-        </p:spPr>
-        <p:txBody>
-          <a:bodyPr/>
-          <a:lstStyle/>
-          <a:p>
-            <a:endParaRPr lang="es-MX"/>
-          </a:p>
-        </p:txBody>
-      </p:sp>
-      <p:sp>
-        <p:nvSpPr>
-          <p:cNvPr id="6" name="Freeform 6"/>
-          <p:cNvSpPr/>
-          <p:nvPr/>
-        </p:nvSpPr>
-        <p:spPr>
-          <a:xfrm>
-            <a:off x="8911252" y="565886"/>
-            <a:ext cx="2520147" cy="2520147"/>
-          </a:xfrm>
-          <a:custGeom>
-            <a:avLst/>
-            <a:gdLst/>
-            <a:ahLst/>
-            <a:cxnLst/>
-            <a:rect l="l" t="t" r="r" b="b"/>
-            <a:pathLst>
-              <a:path w="2520147" h="2520147">
-                <a:moveTo>
-                  <a:pt x="0" y="0"/>
-                </a:moveTo>
-                <a:lnTo>
-                  <a:pt x="2520147" y="0"/>
-                </a:lnTo>
-                <a:lnTo>
-                  <a:pt x="2520147" y="2520147"/>
-                </a:lnTo>
-                <a:lnTo>
-                  <a:pt x="0" y="2520147"/>
-                </a:lnTo>
-                <a:lnTo>
-                  <a:pt x="0" y="0"/>
-                </a:lnTo>
-                <a:close/>
-              </a:path>
-            </a:pathLst>
-          </a:custGeom>
-          <a:blipFill>
-            <a:blip r:embed="rId6"/>
-            <a:stretch>
-              <a:fillRect/>
-            </a:stretch>
-          </a:blipFill>
-        </p:spPr>
-        <p:txBody>
-          <a:bodyPr/>
-          <a:lstStyle/>
-          <a:p>
-            <a:endParaRPr lang="es-MX"/>
-          </a:p>
-        </p:txBody>
-      </p:sp>
-    </p:spTree>
-  </p:cSld>
-  <p:clrMapOvr>
-    <a:masterClrMapping/>
-  </p:clrMapOvr>
-</p:sld>
-</file>
-
-<file path=ppt/slides/slide7.xml><?xml version="1.0" encoding="utf-8"?>
+<file path=ppt/slides/slide10.xml><?xml version="1.0" encoding="utf-8"?>
 <p:sld xmlns:a="http://schemas.openxmlformats.org/drawingml/2006/main" xmlns:r="http://schemas.openxmlformats.org/officeDocument/2006/relationships" xmlns:p="http://schemas.openxmlformats.org/presentationml/2006/main">
   <p:cSld>
     <p:spTree>
@@ -5433,6 +3863,2124 @@
           </a:custGeom>
           <a:blipFill>
             <a:blip r:embed="rId7"/>
+            <a:stretch>
+              <a:fillRect/>
+            </a:stretch>
+          </a:blipFill>
+        </p:spPr>
+        <p:txBody>
+          <a:bodyPr/>
+          <a:lstStyle/>
+          <a:p>
+            <a:endParaRPr lang="es-MX"/>
+          </a:p>
+        </p:txBody>
+      </p:sp>
+    </p:spTree>
+  </p:cSld>
+  <p:clrMapOvr>
+    <a:masterClrMapping/>
+  </p:clrMapOvr>
+</p:sld>
+</file>
+
+<file path=ppt/slides/slide2.xml><?xml version="1.0" encoding="utf-8"?>
+<p:sld xmlns:a="http://schemas.openxmlformats.org/drawingml/2006/main" xmlns:r="http://schemas.openxmlformats.org/officeDocument/2006/relationships" xmlns:p="http://schemas.openxmlformats.org/presentationml/2006/main">
+  <p:cSld>
+    <p:spTree>
+      <p:nvGrpSpPr>
+        <p:cNvPr id="1" name=""/>
+        <p:cNvGrpSpPr/>
+        <p:nvPr/>
+      </p:nvGrpSpPr>
+      <p:grpSpPr>
+        <a:xfrm>
+          <a:off x="0" y="0"/>
+          <a:ext cx="0" cy="0"/>
+          <a:chOff x="0" y="0"/>
+          <a:chExt cx="0" cy="0"/>
+        </a:xfrm>
+      </p:grpSpPr>
+      <p:sp>
+        <p:nvSpPr>
+          <p:cNvPr id="2" name="Freeform 2">
+            <a:extLst>
+              <a:ext uri="{FF2B5EF4-FFF2-40B4-BE49-F238E27FC236}">
+                <a16:creationId xmlns:a16="http://schemas.microsoft.com/office/drawing/2014/main" id="{683EF06E-13DA-7C81-4078-2C3D2DF3732F}"/>
+              </a:ext>
+            </a:extLst>
+          </p:cNvPr>
+          <p:cNvSpPr/>
+          <p:nvPr/>
+        </p:nvSpPr>
+        <p:spPr>
+          <a:xfrm>
+            <a:off x="152400" y="152400"/>
+            <a:ext cx="685800" cy="685800"/>
+          </a:xfrm>
+          <a:custGeom>
+            <a:avLst/>
+            <a:gdLst/>
+            <a:ahLst/>
+            <a:cxnLst/>
+            <a:rect l="l" t="t" r="r" b="b"/>
+            <a:pathLst>
+              <a:path w="3453015" h="3233615">
+                <a:moveTo>
+                  <a:pt x="0" y="0"/>
+                </a:moveTo>
+                <a:lnTo>
+                  <a:pt x="3453016" y="0"/>
+                </a:lnTo>
+                <a:lnTo>
+                  <a:pt x="3453016" y="3233616"/>
+                </a:lnTo>
+                <a:lnTo>
+                  <a:pt x="0" y="3233616"/>
+                </a:lnTo>
+                <a:lnTo>
+                  <a:pt x="0" y="0"/>
+                </a:lnTo>
+                <a:close/>
+              </a:path>
+            </a:pathLst>
+          </a:custGeom>
+          <a:blipFill>
+            <a:blip r:embed="rId2"/>
+            <a:stretch>
+              <a:fillRect/>
+            </a:stretch>
+          </a:blipFill>
+        </p:spPr>
+        <p:txBody>
+          <a:bodyPr/>
+          <a:lstStyle/>
+          <a:p>
+            <a:endParaRPr lang="es-MX"/>
+          </a:p>
+        </p:txBody>
+      </p:sp>
+      <p:grpSp>
+        <p:nvGrpSpPr>
+          <p:cNvPr id="3" name="Group 3">
+            <a:extLst>
+              <a:ext uri="{FF2B5EF4-FFF2-40B4-BE49-F238E27FC236}">
+                <a16:creationId xmlns:a16="http://schemas.microsoft.com/office/drawing/2014/main" id="{193E38BB-503C-682E-41AD-F50F8987E8B3}"/>
+              </a:ext>
+            </a:extLst>
+          </p:cNvPr>
+          <p:cNvGrpSpPr/>
+          <p:nvPr/>
+        </p:nvGrpSpPr>
+        <p:grpSpPr>
+          <a:xfrm>
+            <a:off x="-2209797" y="-428626"/>
+            <a:ext cx="19278600" cy="7286626"/>
+            <a:chOff x="19276" y="-38100"/>
+            <a:chExt cx="812800" cy="647700"/>
+          </a:xfrm>
+        </p:grpSpPr>
+        <p:sp>
+          <p:nvSpPr>
+            <p:cNvPr id="4" name="Freeform 4">
+              <a:extLst>
+                <a:ext uri="{FF2B5EF4-FFF2-40B4-BE49-F238E27FC236}">
+                  <a16:creationId xmlns:a16="http://schemas.microsoft.com/office/drawing/2014/main" id="{BC947BC3-718C-2D73-EA48-18AD62214520}"/>
+                </a:ext>
+              </a:extLst>
+            </p:cNvPr>
+            <p:cNvSpPr/>
+            <p:nvPr/>
+          </p:nvSpPr>
+          <p:spPr>
+            <a:xfrm>
+              <a:off x="19276" y="0"/>
+              <a:ext cx="812800" cy="609600"/>
+            </a:xfrm>
+            <a:custGeom>
+              <a:avLst/>
+              <a:gdLst/>
+              <a:ahLst/>
+              <a:cxnLst/>
+              <a:rect l="l" t="t" r="r" b="b"/>
+              <a:pathLst>
+                <a:path w="812800" h="609600">
+                  <a:moveTo>
+                    <a:pt x="203200" y="0"/>
+                  </a:moveTo>
+                  <a:lnTo>
+                    <a:pt x="812800" y="0"/>
+                  </a:lnTo>
+                  <a:lnTo>
+                    <a:pt x="609600" y="609600"/>
+                  </a:lnTo>
+                  <a:lnTo>
+                    <a:pt x="0" y="609600"/>
+                  </a:lnTo>
+                  <a:lnTo>
+                    <a:pt x="203200" y="0"/>
+                  </a:lnTo>
+                  <a:close/>
+                </a:path>
+              </a:pathLst>
+            </a:custGeom>
+            <a:solidFill>
+              <a:srgbClr val="0CADEC"/>
+            </a:solidFill>
+          </p:spPr>
+          <p:txBody>
+            <a:bodyPr/>
+            <a:lstStyle/>
+            <a:p>
+              <a:endParaRPr lang="es-MX"/>
+            </a:p>
+          </p:txBody>
+        </p:sp>
+        <p:sp>
+          <p:nvSpPr>
+            <p:cNvPr id="5" name="TextBox 5">
+              <a:extLst>
+                <a:ext uri="{FF2B5EF4-FFF2-40B4-BE49-F238E27FC236}">
+                  <a16:creationId xmlns:a16="http://schemas.microsoft.com/office/drawing/2014/main" id="{375037E7-B113-F899-B8D3-5AAC1CFD7C33}"/>
+                </a:ext>
+              </a:extLst>
+            </p:cNvPr>
+            <p:cNvSpPr txBox="1"/>
+            <p:nvPr/>
+          </p:nvSpPr>
+          <p:spPr>
+            <a:xfrm>
+              <a:off x="101600" y="-38100"/>
+              <a:ext cx="609600" cy="647700"/>
+            </a:xfrm>
+            <a:prstGeom prst="rect">
+              <a:avLst/>
+            </a:prstGeom>
+          </p:spPr>
+          <p:txBody>
+            <a:bodyPr lIns="50800" tIns="50800" rIns="50800" bIns="50800" rtlCol="0" anchor="ctr"/>
+            <a:lstStyle/>
+            <a:p>
+              <a:pPr algn="ctr">
+                <a:lnSpc>
+                  <a:spcPts val="1819"/>
+                </a:lnSpc>
+                <a:spcBef>
+                  <a:spcPct val="0"/>
+                </a:spcBef>
+              </a:pPr>
+              <a:endParaRPr/>
+            </a:p>
+          </p:txBody>
+        </p:sp>
+      </p:grpSp>
+    </p:spTree>
+    <p:extLst>
+      <p:ext uri="{BB962C8B-B14F-4D97-AF65-F5344CB8AC3E}">
+        <p14:creationId xmlns:p14="http://schemas.microsoft.com/office/powerpoint/2010/main" val="3893648038"/>
+      </p:ext>
+    </p:extLst>
+  </p:cSld>
+  <p:clrMapOvr>
+    <a:masterClrMapping/>
+  </p:clrMapOvr>
+</p:sld>
+</file>
+
+<file path=ppt/slides/slide3.xml><?xml version="1.0" encoding="utf-8"?>
+<p:sld xmlns:a="http://schemas.openxmlformats.org/drawingml/2006/main" xmlns:r="http://schemas.openxmlformats.org/officeDocument/2006/relationships" xmlns:p="http://schemas.openxmlformats.org/presentationml/2006/main">
+  <p:cSld>
+    <p:bg>
+      <p:bgPr>
+        <a:solidFill>
+          <a:srgbClr val="0CADEC"/>
+        </a:solidFill>
+        <a:effectLst/>
+      </p:bgPr>
+    </p:bg>
+    <p:spTree>
+      <p:nvGrpSpPr>
+        <p:cNvPr id="1" name=""/>
+        <p:cNvGrpSpPr/>
+        <p:nvPr/>
+      </p:nvGrpSpPr>
+      <p:grpSpPr>
+        <a:xfrm>
+          <a:off x="0" y="0"/>
+          <a:ext cx="0" cy="0"/>
+          <a:chOff x="0" y="0"/>
+          <a:chExt cx="0" cy="0"/>
+        </a:xfrm>
+      </p:grpSpPr>
+      <p:sp>
+        <p:nvSpPr>
+          <p:cNvPr id="2" name="Freeform 2"/>
+          <p:cNvSpPr/>
+          <p:nvPr/>
+        </p:nvSpPr>
+        <p:spPr>
+          <a:xfrm>
+            <a:off x="10645131" y="5623956"/>
+            <a:ext cx="995535" cy="960250"/>
+          </a:xfrm>
+          <a:custGeom>
+            <a:avLst/>
+            <a:gdLst/>
+            <a:ahLst/>
+            <a:cxnLst/>
+            <a:rect l="l" t="t" r="r" b="b"/>
+            <a:pathLst>
+              <a:path w="995535" h="960250">
+                <a:moveTo>
+                  <a:pt x="0" y="0"/>
+                </a:moveTo>
+                <a:lnTo>
+                  <a:pt x="995534" y="0"/>
+                </a:lnTo>
+                <a:lnTo>
+                  <a:pt x="995534" y="960250"/>
+                </a:lnTo>
+                <a:lnTo>
+                  <a:pt x="0" y="960250"/>
+                </a:lnTo>
+                <a:lnTo>
+                  <a:pt x="0" y="0"/>
+                </a:lnTo>
+                <a:close/>
+              </a:path>
+            </a:pathLst>
+          </a:custGeom>
+          <a:blipFill>
+            <a:blip r:embed="rId2"/>
+            <a:stretch>
+              <a:fillRect l="-18571" t="-18861" r="-8951" b="-13347"/>
+            </a:stretch>
+          </a:blipFill>
+        </p:spPr>
+        <p:txBody>
+          <a:bodyPr/>
+          <a:lstStyle/>
+          <a:p>
+            <a:endParaRPr lang="es-MX"/>
+          </a:p>
+        </p:txBody>
+      </p:sp>
+      <p:sp>
+        <p:nvSpPr>
+          <p:cNvPr id="3" name="Freeform 3"/>
+          <p:cNvSpPr/>
+          <p:nvPr/>
+        </p:nvSpPr>
+        <p:spPr>
+          <a:xfrm>
+            <a:off x="10355613" y="5163809"/>
+            <a:ext cx="579035" cy="579035"/>
+          </a:xfrm>
+          <a:custGeom>
+            <a:avLst/>
+            <a:gdLst/>
+            <a:ahLst/>
+            <a:cxnLst/>
+            <a:rect l="l" t="t" r="r" b="b"/>
+            <a:pathLst>
+              <a:path w="579035" h="579035">
+                <a:moveTo>
+                  <a:pt x="0" y="0"/>
+                </a:moveTo>
+                <a:lnTo>
+                  <a:pt x="579035" y="0"/>
+                </a:lnTo>
+                <a:lnTo>
+                  <a:pt x="579035" y="579035"/>
+                </a:lnTo>
+                <a:lnTo>
+                  <a:pt x="0" y="579035"/>
+                </a:lnTo>
+                <a:lnTo>
+                  <a:pt x="0" y="0"/>
+                </a:lnTo>
+                <a:close/>
+              </a:path>
+            </a:pathLst>
+          </a:custGeom>
+          <a:blipFill>
+            <a:blip r:embed="rId3"/>
+            <a:stretch>
+              <a:fillRect/>
+            </a:stretch>
+          </a:blipFill>
+        </p:spPr>
+        <p:txBody>
+          <a:bodyPr/>
+          <a:lstStyle/>
+          <a:p>
+            <a:endParaRPr lang="es-MX"/>
+          </a:p>
+        </p:txBody>
+      </p:sp>
+      <p:sp>
+        <p:nvSpPr>
+          <p:cNvPr id="4" name="Freeform 4"/>
+          <p:cNvSpPr/>
+          <p:nvPr/>
+        </p:nvSpPr>
+        <p:spPr>
+          <a:xfrm rot="-2889365">
+            <a:off x="11447512" y="4817265"/>
+            <a:ext cx="529183" cy="526602"/>
+          </a:xfrm>
+          <a:custGeom>
+            <a:avLst/>
+            <a:gdLst/>
+            <a:ahLst/>
+            <a:cxnLst/>
+            <a:rect l="l" t="t" r="r" b="b"/>
+            <a:pathLst>
+              <a:path w="529183" h="526602">
+                <a:moveTo>
+                  <a:pt x="0" y="0"/>
+                </a:moveTo>
+                <a:lnTo>
+                  <a:pt x="529183" y="0"/>
+                </a:lnTo>
+                <a:lnTo>
+                  <a:pt x="529183" y="526602"/>
+                </a:lnTo>
+                <a:lnTo>
+                  <a:pt x="0" y="526602"/>
+                </a:lnTo>
+                <a:lnTo>
+                  <a:pt x="0" y="0"/>
+                </a:lnTo>
+                <a:close/>
+              </a:path>
+            </a:pathLst>
+          </a:custGeom>
+          <a:blipFill>
+            <a:blip r:embed="rId4"/>
+            <a:stretch>
+              <a:fillRect/>
+            </a:stretch>
+          </a:blipFill>
+        </p:spPr>
+        <p:txBody>
+          <a:bodyPr/>
+          <a:lstStyle/>
+          <a:p>
+            <a:endParaRPr lang="es-MX"/>
+          </a:p>
+        </p:txBody>
+      </p:sp>
+      <p:sp>
+        <p:nvSpPr>
+          <p:cNvPr id="5" name="Freeform 5"/>
+          <p:cNvSpPr/>
+          <p:nvPr/>
+        </p:nvSpPr>
+        <p:spPr>
+          <a:xfrm rot="-2889365">
+            <a:off x="10642485" y="4265858"/>
+            <a:ext cx="888227" cy="883895"/>
+          </a:xfrm>
+          <a:custGeom>
+            <a:avLst/>
+            <a:gdLst/>
+            <a:ahLst/>
+            <a:cxnLst/>
+            <a:rect l="l" t="t" r="r" b="b"/>
+            <a:pathLst>
+              <a:path w="888227" h="883895">
+                <a:moveTo>
+                  <a:pt x="0" y="0"/>
+                </a:moveTo>
+                <a:lnTo>
+                  <a:pt x="888227" y="0"/>
+                </a:lnTo>
+                <a:lnTo>
+                  <a:pt x="888227" y="883895"/>
+                </a:lnTo>
+                <a:lnTo>
+                  <a:pt x="0" y="883895"/>
+                </a:lnTo>
+                <a:lnTo>
+                  <a:pt x="0" y="0"/>
+                </a:lnTo>
+                <a:close/>
+              </a:path>
+            </a:pathLst>
+          </a:custGeom>
+          <a:blipFill>
+            <a:blip r:embed="rId4"/>
+            <a:stretch>
+              <a:fillRect/>
+            </a:stretch>
+          </a:blipFill>
+        </p:spPr>
+        <p:txBody>
+          <a:bodyPr/>
+          <a:lstStyle/>
+          <a:p>
+            <a:endParaRPr lang="es-MX"/>
+          </a:p>
+        </p:txBody>
+      </p:sp>
+      <p:sp>
+        <p:nvSpPr>
+          <p:cNvPr id="6" name="Freeform 6"/>
+          <p:cNvSpPr/>
+          <p:nvPr/>
+        </p:nvSpPr>
+        <p:spPr>
+          <a:xfrm>
+            <a:off x="9312230" y="5060698"/>
+            <a:ext cx="1043383" cy="1043383"/>
+          </a:xfrm>
+          <a:custGeom>
+            <a:avLst/>
+            <a:gdLst/>
+            <a:ahLst/>
+            <a:cxnLst/>
+            <a:rect l="l" t="t" r="r" b="b"/>
+            <a:pathLst>
+              <a:path w="1043383" h="1043383">
+                <a:moveTo>
+                  <a:pt x="0" y="0"/>
+                </a:moveTo>
+                <a:lnTo>
+                  <a:pt x="1043383" y="0"/>
+                </a:lnTo>
+                <a:lnTo>
+                  <a:pt x="1043383" y="1043383"/>
+                </a:lnTo>
+                <a:lnTo>
+                  <a:pt x="0" y="1043383"/>
+                </a:lnTo>
+                <a:lnTo>
+                  <a:pt x="0" y="0"/>
+                </a:lnTo>
+                <a:close/>
+              </a:path>
+            </a:pathLst>
+          </a:custGeom>
+          <a:blipFill>
+            <a:blip r:embed="rId3"/>
+            <a:stretch>
+              <a:fillRect/>
+            </a:stretch>
+          </a:blipFill>
+        </p:spPr>
+        <p:txBody>
+          <a:bodyPr/>
+          <a:lstStyle/>
+          <a:p>
+            <a:endParaRPr lang="es-MX"/>
+          </a:p>
+        </p:txBody>
+      </p:sp>
+      <p:sp>
+        <p:nvSpPr>
+          <p:cNvPr id="7" name="Freeform 7"/>
+          <p:cNvSpPr/>
+          <p:nvPr/>
+        </p:nvSpPr>
+        <p:spPr>
+          <a:xfrm>
+            <a:off x="9833922" y="6172200"/>
+            <a:ext cx="1043383" cy="1043383"/>
+          </a:xfrm>
+          <a:custGeom>
+            <a:avLst/>
+            <a:gdLst/>
+            <a:ahLst/>
+            <a:cxnLst/>
+            <a:rect l="l" t="t" r="r" b="b"/>
+            <a:pathLst>
+              <a:path w="1043383" h="1043383">
+                <a:moveTo>
+                  <a:pt x="0" y="0"/>
+                </a:moveTo>
+                <a:lnTo>
+                  <a:pt x="1043383" y="0"/>
+                </a:lnTo>
+                <a:lnTo>
+                  <a:pt x="1043383" y="1043383"/>
+                </a:lnTo>
+                <a:lnTo>
+                  <a:pt x="0" y="1043383"/>
+                </a:lnTo>
+                <a:lnTo>
+                  <a:pt x="0" y="0"/>
+                </a:lnTo>
+                <a:close/>
+              </a:path>
+            </a:pathLst>
+          </a:custGeom>
+          <a:blipFill>
+            <a:blip r:embed="rId3"/>
+            <a:stretch>
+              <a:fillRect/>
+            </a:stretch>
+          </a:blipFill>
+        </p:spPr>
+        <p:txBody>
+          <a:bodyPr/>
+          <a:lstStyle/>
+          <a:p>
+            <a:endParaRPr lang="es-MX"/>
+          </a:p>
+        </p:txBody>
+      </p:sp>
+      <p:sp>
+        <p:nvSpPr>
+          <p:cNvPr id="8" name="Freeform 8"/>
+          <p:cNvSpPr/>
+          <p:nvPr/>
+        </p:nvSpPr>
+        <p:spPr>
+          <a:xfrm rot="-2889365">
+            <a:off x="11594351" y="6215707"/>
+            <a:ext cx="740611" cy="736998"/>
+          </a:xfrm>
+          <a:custGeom>
+            <a:avLst/>
+            <a:gdLst/>
+            <a:ahLst/>
+            <a:cxnLst/>
+            <a:rect l="l" t="t" r="r" b="b"/>
+            <a:pathLst>
+              <a:path w="740611" h="736998">
+                <a:moveTo>
+                  <a:pt x="0" y="0"/>
+                </a:moveTo>
+                <a:lnTo>
+                  <a:pt x="740611" y="0"/>
+                </a:lnTo>
+                <a:lnTo>
+                  <a:pt x="740611" y="736998"/>
+                </a:lnTo>
+                <a:lnTo>
+                  <a:pt x="0" y="736998"/>
+                </a:lnTo>
+                <a:lnTo>
+                  <a:pt x="0" y="0"/>
+                </a:lnTo>
+                <a:close/>
+              </a:path>
+            </a:pathLst>
+          </a:custGeom>
+          <a:blipFill>
+            <a:blip r:embed="rId4"/>
+            <a:stretch>
+              <a:fillRect/>
+            </a:stretch>
+          </a:blipFill>
+        </p:spPr>
+        <p:txBody>
+          <a:bodyPr/>
+          <a:lstStyle/>
+          <a:p>
+            <a:endParaRPr lang="es-MX"/>
+          </a:p>
+        </p:txBody>
+      </p:sp>
+    </p:spTree>
+  </p:cSld>
+  <p:clrMapOvr>
+    <a:masterClrMapping/>
+  </p:clrMapOvr>
+</p:sld>
+</file>
+
+<file path=ppt/slides/slide4.xml><?xml version="1.0" encoding="utf-8"?>
+<p:sld xmlns:a="http://schemas.openxmlformats.org/drawingml/2006/main" xmlns:r="http://schemas.openxmlformats.org/officeDocument/2006/relationships" xmlns:p="http://schemas.openxmlformats.org/presentationml/2006/main">
+  <p:cSld>
+    <p:bg>
+      <p:bgPr>
+        <a:solidFill>
+          <a:srgbClr val="0CADEC"/>
+        </a:solidFill>
+        <a:effectLst/>
+      </p:bgPr>
+    </p:bg>
+    <p:spTree>
+      <p:nvGrpSpPr>
+        <p:cNvPr id="1" name=""/>
+        <p:cNvGrpSpPr/>
+        <p:nvPr/>
+      </p:nvGrpSpPr>
+      <p:grpSpPr>
+        <a:xfrm>
+          <a:off x="0" y="0"/>
+          <a:ext cx="0" cy="0"/>
+          <a:chOff x="0" y="0"/>
+          <a:chExt cx="0" cy="0"/>
+        </a:xfrm>
+      </p:grpSpPr>
+      <p:sp>
+        <p:nvSpPr>
+          <p:cNvPr id="2" name="Freeform 2"/>
+          <p:cNvSpPr/>
+          <p:nvPr/>
+        </p:nvSpPr>
+        <p:spPr>
+          <a:xfrm>
+            <a:off x="694821" y="660899"/>
+            <a:ext cx="995535" cy="960250"/>
+          </a:xfrm>
+          <a:custGeom>
+            <a:avLst/>
+            <a:gdLst/>
+            <a:ahLst/>
+            <a:cxnLst/>
+            <a:rect l="l" t="t" r="r" b="b"/>
+            <a:pathLst>
+              <a:path w="995535" h="960250">
+                <a:moveTo>
+                  <a:pt x="0" y="0"/>
+                </a:moveTo>
+                <a:lnTo>
+                  <a:pt x="995534" y="0"/>
+                </a:lnTo>
+                <a:lnTo>
+                  <a:pt x="995534" y="960250"/>
+                </a:lnTo>
+                <a:lnTo>
+                  <a:pt x="0" y="960250"/>
+                </a:lnTo>
+                <a:lnTo>
+                  <a:pt x="0" y="0"/>
+                </a:lnTo>
+                <a:close/>
+              </a:path>
+            </a:pathLst>
+          </a:custGeom>
+          <a:blipFill>
+            <a:blip r:embed="rId2"/>
+            <a:stretch>
+              <a:fillRect l="-18571" t="-18861" r="-8951" b="-13347"/>
+            </a:stretch>
+          </a:blipFill>
+        </p:spPr>
+        <p:txBody>
+          <a:bodyPr/>
+          <a:lstStyle/>
+          <a:p>
+            <a:endParaRPr lang="es-MX"/>
+          </a:p>
+        </p:txBody>
+      </p:sp>
+      <p:sp>
+        <p:nvSpPr>
+          <p:cNvPr id="3" name="Freeform 3"/>
+          <p:cNvSpPr/>
+          <p:nvPr/>
+        </p:nvSpPr>
+        <p:spPr>
+          <a:xfrm>
+            <a:off x="405303" y="200752"/>
+            <a:ext cx="579035" cy="579035"/>
+          </a:xfrm>
+          <a:custGeom>
+            <a:avLst/>
+            <a:gdLst/>
+            <a:ahLst/>
+            <a:cxnLst/>
+            <a:rect l="l" t="t" r="r" b="b"/>
+            <a:pathLst>
+              <a:path w="579035" h="579035">
+                <a:moveTo>
+                  <a:pt x="0" y="0"/>
+                </a:moveTo>
+                <a:lnTo>
+                  <a:pt x="579035" y="0"/>
+                </a:lnTo>
+                <a:lnTo>
+                  <a:pt x="579035" y="579035"/>
+                </a:lnTo>
+                <a:lnTo>
+                  <a:pt x="0" y="579035"/>
+                </a:lnTo>
+                <a:lnTo>
+                  <a:pt x="0" y="0"/>
+                </a:lnTo>
+                <a:close/>
+              </a:path>
+            </a:pathLst>
+          </a:custGeom>
+          <a:blipFill>
+            <a:blip r:embed="rId3"/>
+            <a:stretch>
+              <a:fillRect/>
+            </a:stretch>
+          </a:blipFill>
+        </p:spPr>
+        <p:txBody>
+          <a:bodyPr/>
+          <a:lstStyle/>
+          <a:p>
+            <a:endParaRPr lang="es-MX"/>
+          </a:p>
+        </p:txBody>
+      </p:sp>
+      <p:sp>
+        <p:nvSpPr>
+          <p:cNvPr id="4" name="Freeform 4"/>
+          <p:cNvSpPr/>
+          <p:nvPr/>
+        </p:nvSpPr>
+        <p:spPr>
+          <a:xfrm rot="-2889365">
+            <a:off x="1497202" y="-145792"/>
+            <a:ext cx="529183" cy="526602"/>
+          </a:xfrm>
+          <a:custGeom>
+            <a:avLst/>
+            <a:gdLst/>
+            <a:ahLst/>
+            <a:cxnLst/>
+            <a:rect l="l" t="t" r="r" b="b"/>
+            <a:pathLst>
+              <a:path w="529183" h="526602">
+                <a:moveTo>
+                  <a:pt x="0" y="0"/>
+                </a:moveTo>
+                <a:lnTo>
+                  <a:pt x="529183" y="0"/>
+                </a:lnTo>
+                <a:lnTo>
+                  <a:pt x="529183" y="526602"/>
+                </a:lnTo>
+                <a:lnTo>
+                  <a:pt x="0" y="526602"/>
+                </a:lnTo>
+                <a:lnTo>
+                  <a:pt x="0" y="0"/>
+                </a:lnTo>
+                <a:close/>
+              </a:path>
+            </a:pathLst>
+          </a:custGeom>
+          <a:blipFill>
+            <a:blip r:embed="rId4"/>
+            <a:stretch>
+              <a:fillRect/>
+            </a:stretch>
+          </a:blipFill>
+        </p:spPr>
+        <p:txBody>
+          <a:bodyPr/>
+          <a:lstStyle/>
+          <a:p>
+            <a:endParaRPr lang="es-MX"/>
+          </a:p>
+        </p:txBody>
+      </p:sp>
+      <p:sp>
+        <p:nvSpPr>
+          <p:cNvPr id="5" name="Freeform 5"/>
+          <p:cNvSpPr/>
+          <p:nvPr/>
+        </p:nvSpPr>
+        <p:spPr>
+          <a:xfrm rot="-2889365">
+            <a:off x="748474" y="-287834"/>
+            <a:ext cx="888227" cy="883895"/>
+          </a:xfrm>
+          <a:custGeom>
+            <a:avLst/>
+            <a:gdLst/>
+            <a:ahLst/>
+            <a:cxnLst/>
+            <a:rect l="l" t="t" r="r" b="b"/>
+            <a:pathLst>
+              <a:path w="888227" h="883895">
+                <a:moveTo>
+                  <a:pt x="0" y="0"/>
+                </a:moveTo>
+                <a:lnTo>
+                  <a:pt x="888228" y="0"/>
+                </a:lnTo>
+                <a:lnTo>
+                  <a:pt x="888228" y="883894"/>
+                </a:lnTo>
+                <a:lnTo>
+                  <a:pt x="0" y="883894"/>
+                </a:lnTo>
+                <a:lnTo>
+                  <a:pt x="0" y="0"/>
+                </a:lnTo>
+                <a:close/>
+              </a:path>
+            </a:pathLst>
+          </a:custGeom>
+          <a:blipFill>
+            <a:blip r:embed="rId4"/>
+            <a:stretch>
+              <a:fillRect/>
+            </a:stretch>
+          </a:blipFill>
+        </p:spPr>
+        <p:txBody>
+          <a:bodyPr/>
+          <a:lstStyle/>
+          <a:p>
+            <a:endParaRPr lang="es-MX"/>
+          </a:p>
+        </p:txBody>
+      </p:sp>
+      <p:sp>
+        <p:nvSpPr>
+          <p:cNvPr id="6" name="Freeform 6"/>
+          <p:cNvSpPr/>
+          <p:nvPr/>
+        </p:nvSpPr>
+        <p:spPr>
+          <a:xfrm>
+            <a:off x="-638080" y="97641"/>
+            <a:ext cx="1043383" cy="1043383"/>
+          </a:xfrm>
+          <a:custGeom>
+            <a:avLst/>
+            <a:gdLst/>
+            <a:ahLst/>
+            <a:cxnLst/>
+            <a:rect l="l" t="t" r="r" b="b"/>
+            <a:pathLst>
+              <a:path w="1043383" h="1043383">
+                <a:moveTo>
+                  <a:pt x="0" y="0"/>
+                </a:moveTo>
+                <a:lnTo>
+                  <a:pt x="1043383" y="0"/>
+                </a:lnTo>
+                <a:lnTo>
+                  <a:pt x="1043383" y="1043383"/>
+                </a:lnTo>
+                <a:lnTo>
+                  <a:pt x="0" y="1043383"/>
+                </a:lnTo>
+                <a:lnTo>
+                  <a:pt x="0" y="0"/>
+                </a:lnTo>
+                <a:close/>
+              </a:path>
+            </a:pathLst>
+          </a:custGeom>
+          <a:blipFill>
+            <a:blip r:embed="rId3"/>
+            <a:stretch>
+              <a:fillRect/>
+            </a:stretch>
+          </a:blipFill>
+        </p:spPr>
+        <p:txBody>
+          <a:bodyPr/>
+          <a:lstStyle/>
+          <a:p>
+            <a:endParaRPr lang="es-MX"/>
+          </a:p>
+        </p:txBody>
+      </p:sp>
+      <p:sp>
+        <p:nvSpPr>
+          <p:cNvPr id="7" name="Freeform 7"/>
+          <p:cNvSpPr/>
+          <p:nvPr/>
+        </p:nvSpPr>
+        <p:spPr>
+          <a:xfrm>
+            <a:off x="-357583" y="943801"/>
+            <a:ext cx="1043383" cy="1043383"/>
+          </a:xfrm>
+          <a:custGeom>
+            <a:avLst/>
+            <a:gdLst/>
+            <a:ahLst/>
+            <a:cxnLst/>
+            <a:rect l="l" t="t" r="r" b="b"/>
+            <a:pathLst>
+              <a:path w="1043383" h="1043383">
+                <a:moveTo>
+                  <a:pt x="0" y="0"/>
+                </a:moveTo>
+                <a:lnTo>
+                  <a:pt x="1043383" y="0"/>
+                </a:lnTo>
+                <a:lnTo>
+                  <a:pt x="1043383" y="1043383"/>
+                </a:lnTo>
+                <a:lnTo>
+                  <a:pt x="0" y="1043383"/>
+                </a:lnTo>
+                <a:lnTo>
+                  <a:pt x="0" y="0"/>
+                </a:lnTo>
+                <a:close/>
+              </a:path>
+            </a:pathLst>
+          </a:custGeom>
+          <a:blipFill>
+            <a:blip r:embed="rId3"/>
+            <a:stretch>
+              <a:fillRect/>
+            </a:stretch>
+          </a:blipFill>
+        </p:spPr>
+        <p:txBody>
+          <a:bodyPr/>
+          <a:lstStyle/>
+          <a:p>
+            <a:endParaRPr lang="es-MX"/>
+          </a:p>
+        </p:txBody>
+      </p:sp>
+      <p:sp>
+        <p:nvSpPr>
+          <p:cNvPr id="8" name="Freeform 8"/>
+          <p:cNvSpPr/>
+          <p:nvPr/>
+        </p:nvSpPr>
+        <p:spPr>
+          <a:xfrm rot="-2889365">
+            <a:off x="1644041" y="1252650"/>
+            <a:ext cx="740611" cy="736998"/>
+          </a:xfrm>
+          <a:custGeom>
+            <a:avLst/>
+            <a:gdLst/>
+            <a:ahLst/>
+            <a:cxnLst/>
+            <a:rect l="l" t="t" r="r" b="b"/>
+            <a:pathLst>
+              <a:path w="740611" h="736998">
+                <a:moveTo>
+                  <a:pt x="0" y="0"/>
+                </a:moveTo>
+                <a:lnTo>
+                  <a:pt x="740611" y="0"/>
+                </a:lnTo>
+                <a:lnTo>
+                  <a:pt x="740611" y="736998"/>
+                </a:lnTo>
+                <a:lnTo>
+                  <a:pt x="0" y="736998"/>
+                </a:lnTo>
+                <a:lnTo>
+                  <a:pt x="0" y="0"/>
+                </a:lnTo>
+                <a:close/>
+              </a:path>
+            </a:pathLst>
+          </a:custGeom>
+          <a:blipFill>
+            <a:blip r:embed="rId4"/>
+            <a:stretch>
+              <a:fillRect/>
+            </a:stretch>
+          </a:blipFill>
+        </p:spPr>
+        <p:txBody>
+          <a:bodyPr/>
+          <a:lstStyle/>
+          <a:p>
+            <a:endParaRPr lang="es-MX"/>
+          </a:p>
+        </p:txBody>
+      </p:sp>
+      <p:sp>
+        <p:nvSpPr>
+          <p:cNvPr id="9" name="Freeform 9"/>
+          <p:cNvSpPr/>
+          <p:nvPr/>
+        </p:nvSpPr>
+        <p:spPr>
+          <a:xfrm>
+            <a:off x="1555418" y="490269"/>
+            <a:ext cx="579035" cy="579035"/>
+          </a:xfrm>
+          <a:custGeom>
+            <a:avLst/>
+            <a:gdLst/>
+            <a:ahLst/>
+            <a:cxnLst/>
+            <a:rect l="l" t="t" r="r" b="b"/>
+            <a:pathLst>
+              <a:path w="579035" h="579035">
+                <a:moveTo>
+                  <a:pt x="0" y="0"/>
+                </a:moveTo>
+                <a:lnTo>
+                  <a:pt x="579035" y="0"/>
+                </a:lnTo>
+                <a:lnTo>
+                  <a:pt x="579035" y="579035"/>
+                </a:lnTo>
+                <a:lnTo>
+                  <a:pt x="0" y="579035"/>
+                </a:lnTo>
+                <a:lnTo>
+                  <a:pt x="0" y="0"/>
+                </a:lnTo>
+                <a:close/>
+              </a:path>
+            </a:pathLst>
+          </a:custGeom>
+          <a:blipFill>
+            <a:blip r:embed="rId3"/>
+            <a:stretch>
+              <a:fillRect/>
+            </a:stretch>
+          </a:blipFill>
+        </p:spPr>
+        <p:txBody>
+          <a:bodyPr/>
+          <a:lstStyle/>
+          <a:p>
+            <a:endParaRPr lang="es-MX"/>
+          </a:p>
+        </p:txBody>
+      </p:sp>
+      <p:sp>
+        <p:nvSpPr>
+          <p:cNvPr id="10" name="Freeform 10"/>
+          <p:cNvSpPr/>
+          <p:nvPr/>
+        </p:nvSpPr>
+        <p:spPr>
+          <a:xfrm rot="-2889365">
+            <a:off x="655243" y="1757293"/>
+            <a:ext cx="658191" cy="654980"/>
+          </a:xfrm>
+          <a:custGeom>
+            <a:avLst/>
+            <a:gdLst/>
+            <a:ahLst/>
+            <a:cxnLst/>
+            <a:rect l="l" t="t" r="r" b="b"/>
+            <a:pathLst>
+              <a:path w="658191" h="654980">
+                <a:moveTo>
+                  <a:pt x="0" y="0"/>
+                </a:moveTo>
+                <a:lnTo>
+                  <a:pt x="658191" y="0"/>
+                </a:lnTo>
+                <a:lnTo>
+                  <a:pt x="658191" y="654980"/>
+                </a:lnTo>
+                <a:lnTo>
+                  <a:pt x="0" y="654980"/>
+                </a:lnTo>
+                <a:lnTo>
+                  <a:pt x="0" y="0"/>
+                </a:lnTo>
+                <a:close/>
+              </a:path>
+            </a:pathLst>
+          </a:custGeom>
+          <a:blipFill>
+            <a:blip r:embed="rId4"/>
+            <a:stretch>
+              <a:fillRect/>
+            </a:stretch>
+          </a:blipFill>
+        </p:spPr>
+        <p:txBody>
+          <a:bodyPr/>
+          <a:lstStyle/>
+          <a:p>
+            <a:endParaRPr lang="es-MX"/>
+          </a:p>
+        </p:txBody>
+      </p:sp>
+      <p:sp>
+        <p:nvSpPr>
+          <p:cNvPr id="11" name="Freeform 6"/>
+          <p:cNvSpPr/>
+          <p:nvPr/>
+        </p:nvSpPr>
+        <p:spPr>
+          <a:xfrm>
+            <a:off x="3333872" y="1987184"/>
+            <a:ext cx="3453015" cy="3233615"/>
+          </a:xfrm>
+          <a:custGeom>
+            <a:avLst/>
+            <a:gdLst/>
+            <a:ahLst/>
+            <a:cxnLst/>
+            <a:rect l="l" t="t" r="r" b="b"/>
+            <a:pathLst>
+              <a:path w="3453015" h="3233615">
+                <a:moveTo>
+                  <a:pt x="0" y="0"/>
+                </a:moveTo>
+                <a:lnTo>
+                  <a:pt x="3453015" y="0"/>
+                </a:lnTo>
+                <a:lnTo>
+                  <a:pt x="3453015" y="3233616"/>
+                </a:lnTo>
+                <a:lnTo>
+                  <a:pt x="0" y="3233616"/>
+                </a:lnTo>
+                <a:lnTo>
+                  <a:pt x="0" y="0"/>
+                </a:lnTo>
+                <a:close/>
+              </a:path>
+            </a:pathLst>
+          </a:custGeom>
+          <a:blipFill>
+            <a:blip r:embed="rId5"/>
+            <a:stretch>
+              <a:fillRect/>
+            </a:stretch>
+          </a:blipFill>
+        </p:spPr>
+        <p:txBody>
+          <a:bodyPr/>
+          <a:lstStyle/>
+          <a:p>
+            <a:endParaRPr lang="es-MX"/>
+          </a:p>
+        </p:txBody>
+      </p:sp>
+    </p:spTree>
+  </p:cSld>
+  <p:clrMapOvr>
+    <a:masterClrMapping/>
+  </p:clrMapOvr>
+</p:sld>
+</file>
+
+<file path=ppt/slides/slide5.xml><?xml version="1.0" encoding="utf-8"?>
+<p:sld xmlns:a="http://schemas.openxmlformats.org/drawingml/2006/main" xmlns:r="http://schemas.openxmlformats.org/officeDocument/2006/relationships" xmlns:p="http://schemas.openxmlformats.org/presentationml/2006/main">
+  <p:cSld>
+    <p:spTree>
+      <p:nvGrpSpPr>
+        <p:cNvPr id="1" name=""/>
+        <p:cNvGrpSpPr/>
+        <p:nvPr/>
+      </p:nvGrpSpPr>
+      <p:grpSpPr>
+        <a:xfrm>
+          <a:off x="0" y="0"/>
+          <a:ext cx="0" cy="0"/>
+          <a:chOff x="0" y="0"/>
+          <a:chExt cx="0" cy="0"/>
+        </a:xfrm>
+      </p:grpSpPr>
+      <p:grpSp>
+        <p:nvGrpSpPr>
+          <p:cNvPr id="2" name="Group 2"/>
+          <p:cNvGrpSpPr/>
+          <p:nvPr/>
+        </p:nvGrpSpPr>
+        <p:grpSpPr>
+          <a:xfrm>
+            <a:off x="119556" y="114301"/>
+            <a:ext cx="755730" cy="711215"/>
+            <a:chOff x="0" y="0"/>
+            <a:chExt cx="1542552" cy="1586902"/>
+          </a:xfrm>
+        </p:grpSpPr>
+        <p:sp>
+          <p:nvSpPr>
+            <p:cNvPr id="3" name="Freeform 3"/>
+            <p:cNvSpPr/>
+            <p:nvPr/>
+          </p:nvSpPr>
+          <p:spPr>
+            <a:xfrm>
+              <a:off x="0" y="0"/>
+              <a:ext cx="1542552" cy="1586902"/>
+            </a:xfrm>
+            <a:custGeom>
+              <a:avLst/>
+              <a:gdLst/>
+              <a:ahLst/>
+              <a:cxnLst/>
+              <a:rect l="l" t="t" r="r" b="b"/>
+              <a:pathLst>
+                <a:path w="1542552" h="1586902">
+                  <a:moveTo>
+                    <a:pt x="0" y="0"/>
+                  </a:moveTo>
+                  <a:lnTo>
+                    <a:pt x="1542552" y="0"/>
+                  </a:lnTo>
+                  <a:lnTo>
+                    <a:pt x="1542552" y="1586902"/>
+                  </a:lnTo>
+                  <a:lnTo>
+                    <a:pt x="0" y="1586902"/>
+                  </a:lnTo>
+                  <a:close/>
+                </a:path>
+              </a:pathLst>
+            </a:custGeom>
+            <a:solidFill>
+              <a:srgbClr val="0CADEC"/>
+            </a:solidFill>
+          </p:spPr>
+          <p:txBody>
+            <a:bodyPr/>
+            <a:lstStyle/>
+            <a:p>
+              <a:endParaRPr lang="es-MX"/>
+            </a:p>
+          </p:txBody>
+        </p:sp>
+        <p:sp>
+          <p:nvSpPr>
+            <p:cNvPr id="4" name="TextBox 4"/>
+            <p:cNvSpPr txBox="1"/>
+            <p:nvPr/>
+          </p:nvSpPr>
+          <p:spPr>
+            <a:xfrm>
+              <a:off x="0" y="-38100"/>
+              <a:ext cx="1542552" cy="1625002"/>
+            </a:xfrm>
+            <a:prstGeom prst="rect">
+              <a:avLst/>
+            </a:prstGeom>
+          </p:spPr>
+          <p:txBody>
+            <a:bodyPr lIns="50800" tIns="50800" rIns="50800" bIns="50800" rtlCol="0" anchor="ctr"/>
+            <a:lstStyle/>
+            <a:p>
+              <a:pPr algn="ctr">
+                <a:lnSpc>
+                  <a:spcPts val="1819"/>
+                </a:lnSpc>
+              </a:pPr>
+              <a:endParaRPr/>
+            </a:p>
+          </p:txBody>
+        </p:sp>
+      </p:grpSp>
+      <p:sp>
+        <p:nvSpPr>
+          <p:cNvPr id="5" name="Freeform 5"/>
+          <p:cNvSpPr/>
+          <p:nvPr/>
+        </p:nvSpPr>
+        <p:spPr>
+          <a:xfrm>
+            <a:off x="152400" y="152400"/>
+            <a:ext cx="673447" cy="616065"/>
+          </a:xfrm>
+          <a:custGeom>
+            <a:avLst/>
+            <a:gdLst/>
+            <a:ahLst/>
+            <a:cxnLst/>
+            <a:rect l="l" t="t" r="r" b="b"/>
+            <a:pathLst>
+              <a:path w="3479459" h="3479459">
+                <a:moveTo>
+                  <a:pt x="0" y="0"/>
+                </a:moveTo>
+                <a:lnTo>
+                  <a:pt x="3479459" y="0"/>
+                </a:lnTo>
+                <a:lnTo>
+                  <a:pt x="3479459" y="3479460"/>
+                </a:lnTo>
+                <a:lnTo>
+                  <a:pt x="0" y="3479460"/>
+                </a:lnTo>
+                <a:lnTo>
+                  <a:pt x="0" y="0"/>
+                </a:lnTo>
+                <a:close/>
+              </a:path>
+            </a:pathLst>
+          </a:custGeom>
+          <a:blipFill>
+            <a:blip r:embed="rId2"/>
+            <a:stretch>
+              <a:fillRect/>
+            </a:stretch>
+          </a:blipFill>
+        </p:spPr>
+        <p:txBody>
+          <a:bodyPr/>
+          <a:lstStyle/>
+          <a:p>
+            <a:endParaRPr lang="es-MX"/>
+          </a:p>
+        </p:txBody>
+      </p:sp>
+    </p:spTree>
+  </p:cSld>
+  <p:clrMapOvr>
+    <a:masterClrMapping/>
+  </p:clrMapOvr>
+</p:sld>
+</file>
+
+<file path=ppt/slides/slide6.xml><?xml version="1.0" encoding="utf-8"?>
+<p:sld xmlns:a="http://schemas.openxmlformats.org/drawingml/2006/main" xmlns:r="http://schemas.openxmlformats.org/officeDocument/2006/relationships" xmlns:p="http://schemas.openxmlformats.org/presentationml/2006/main">
+  <p:cSld>
+    <p:spTree>
+      <p:nvGrpSpPr>
+        <p:cNvPr id="1" name="">
+          <a:extLst>
+            <a:ext uri="{FF2B5EF4-FFF2-40B4-BE49-F238E27FC236}">
+              <a16:creationId xmlns:a16="http://schemas.microsoft.com/office/drawing/2014/main" id="{DEB0382C-5976-D827-79B5-FF8A42029C34}"/>
+            </a:ext>
+          </a:extLst>
+        </p:cNvPr>
+        <p:cNvGrpSpPr/>
+        <p:nvPr/>
+      </p:nvGrpSpPr>
+      <p:grpSpPr>
+        <a:xfrm>
+          <a:off x="0" y="0"/>
+          <a:ext cx="0" cy="0"/>
+          <a:chOff x="0" y="0"/>
+          <a:chExt cx="0" cy="0"/>
+        </a:xfrm>
+      </p:grpSpPr>
+      <p:sp>
+        <p:nvSpPr>
+          <p:cNvPr id="6" name="Freeform 6">
+            <a:extLst>
+              <a:ext uri="{FF2B5EF4-FFF2-40B4-BE49-F238E27FC236}">
+                <a16:creationId xmlns:a16="http://schemas.microsoft.com/office/drawing/2014/main" id="{9E1D4FC0-2919-4390-2E06-62E70324A479}"/>
+              </a:ext>
+            </a:extLst>
+          </p:cNvPr>
+          <p:cNvSpPr/>
+          <p:nvPr/>
+        </p:nvSpPr>
+        <p:spPr>
+          <a:xfrm>
+            <a:off x="-25400" y="0"/>
+            <a:ext cx="787400" cy="762000"/>
+          </a:xfrm>
+          <a:custGeom>
+            <a:avLst/>
+            <a:gdLst/>
+            <a:ahLst/>
+            <a:cxnLst/>
+            <a:rect l="l" t="t" r="r" b="b"/>
+            <a:pathLst>
+              <a:path w="3453015" h="3233615">
+                <a:moveTo>
+                  <a:pt x="0" y="0"/>
+                </a:moveTo>
+                <a:lnTo>
+                  <a:pt x="3453015" y="0"/>
+                </a:lnTo>
+                <a:lnTo>
+                  <a:pt x="3453015" y="3233616"/>
+                </a:lnTo>
+                <a:lnTo>
+                  <a:pt x="0" y="3233616"/>
+                </a:lnTo>
+                <a:lnTo>
+                  <a:pt x="0" y="0"/>
+                </a:lnTo>
+                <a:close/>
+              </a:path>
+            </a:pathLst>
+          </a:custGeom>
+          <a:blipFill>
+            <a:blip r:embed="rId2"/>
+            <a:stretch>
+              <a:fillRect/>
+            </a:stretch>
+          </a:blipFill>
+        </p:spPr>
+        <p:txBody>
+          <a:bodyPr/>
+          <a:lstStyle/>
+          <a:p>
+            <a:endParaRPr lang="es-MX"/>
+          </a:p>
+        </p:txBody>
+      </p:sp>
+    </p:spTree>
+    <p:extLst>
+      <p:ext uri="{BB962C8B-B14F-4D97-AF65-F5344CB8AC3E}">
+        <p14:creationId xmlns:p14="http://schemas.microsoft.com/office/powerpoint/2010/main" val="1147359292"/>
+      </p:ext>
+    </p:extLst>
+  </p:cSld>
+  <p:clrMapOvr>
+    <a:masterClrMapping/>
+  </p:clrMapOvr>
+</p:sld>
+</file>
+
+<file path=ppt/slides/slide7.xml><?xml version="1.0" encoding="utf-8"?>
+<p:sld xmlns:a="http://schemas.openxmlformats.org/drawingml/2006/main" xmlns:r="http://schemas.openxmlformats.org/officeDocument/2006/relationships" xmlns:p="http://schemas.openxmlformats.org/presentationml/2006/main">
+  <p:cSld>
+    <p:spTree>
+      <p:nvGrpSpPr>
+        <p:cNvPr id="1" name=""/>
+        <p:cNvGrpSpPr/>
+        <p:nvPr/>
+      </p:nvGrpSpPr>
+      <p:grpSpPr>
+        <a:xfrm>
+          <a:off x="0" y="0"/>
+          <a:ext cx="0" cy="0"/>
+          <a:chOff x="0" y="0"/>
+          <a:chExt cx="0" cy="0"/>
+        </a:xfrm>
+      </p:grpSpPr>
+      <p:sp>
+        <p:nvSpPr>
+          <p:cNvPr id="2" name="Elipse 1">
+            <a:extLst>
+              <a:ext uri="{FF2B5EF4-FFF2-40B4-BE49-F238E27FC236}">
+                <a16:creationId xmlns:a16="http://schemas.microsoft.com/office/drawing/2014/main" id="{798D45C5-3C8F-4052-F072-C904911DEB39}"/>
+              </a:ext>
+            </a:extLst>
+          </p:cNvPr>
+          <p:cNvSpPr/>
+          <p:nvPr/>
+        </p:nvSpPr>
+        <p:spPr>
+          <a:xfrm>
+            <a:off x="-1" y="-2389421"/>
+            <a:ext cx="14922597" cy="10599117"/>
+          </a:xfrm>
+          <a:custGeom>
+            <a:avLst/>
+            <a:gdLst>
+              <a:gd name="connsiteX0" fmla="*/ 0 w 13106400"/>
+              <a:gd name="connsiteY0" fmla="*/ 4495800 h 8991600"/>
+              <a:gd name="connsiteX1" fmla="*/ 6553200 w 13106400"/>
+              <a:gd name="connsiteY1" fmla="*/ 0 h 8991600"/>
+              <a:gd name="connsiteX2" fmla="*/ 13106400 w 13106400"/>
+              <a:gd name="connsiteY2" fmla="*/ 4495800 h 8991600"/>
+              <a:gd name="connsiteX3" fmla="*/ 6553200 w 13106400"/>
+              <a:gd name="connsiteY3" fmla="*/ 8991600 h 8991600"/>
+              <a:gd name="connsiteX4" fmla="*/ 0 w 13106400"/>
+              <a:gd name="connsiteY4" fmla="*/ 4495800 h 8991600"/>
+              <a:gd name="connsiteX0" fmla="*/ 0 w 12077700"/>
+              <a:gd name="connsiteY0" fmla="*/ 4495800 h 8991600"/>
+              <a:gd name="connsiteX1" fmla="*/ 5524500 w 12077700"/>
+              <a:gd name="connsiteY1" fmla="*/ 0 h 8991600"/>
+              <a:gd name="connsiteX2" fmla="*/ 12077700 w 12077700"/>
+              <a:gd name="connsiteY2" fmla="*/ 4495800 h 8991600"/>
+              <a:gd name="connsiteX3" fmla="*/ 5524500 w 12077700"/>
+              <a:gd name="connsiteY3" fmla="*/ 8991600 h 8991600"/>
+              <a:gd name="connsiteX4" fmla="*/ 0 w 12077700"/>
+              <a:gd name="connsiteY4" fmla="*/ 4495800 h 8991600"/>
+              <a:gd name="connsiteX0" fmla="*/ 0 w 10858500"/>
+              <a:gd name="connsiteY0" fmla="*/ 4610232 h 8991872"/>
+              <a:gd name="connsiteX1" fmla="*/ 4305300 w 10858500"/>
+              <a:gd name="connsiteY1" fmla="*/ 132 h 8991872"/>
+              <a:gd name="connsiteX2" fmla="*/ 10858500 w 10858500"/>
+              <a:gd name="connsiteY2" fmla="*/ 4495932 h 8991872"/>
+              <a:gd name="connsiteX3" fmla="*/ 4305300 w 10858500"/>
+              <a:gd name="connsiteY3" fmla="*/ 8991732 h 8991872"/>
+              <a:gd name="connsiteX4" fmla="*/ 0 w 10858500"/>
+              <a:gd name="connsiteY4" fmla="*/ 4610232 h 8991872"/>
+              <a:gd name="connsiteX0" fmla="*/ 70 w 10858570"/>
+              <a:gd name="connsiteY0" fmla="*/ 6070677 h 10452278"/>
+              <a:gd name="connsiteX1" fmla="*/ 4397704 w 10858570"/>
+              <a:gd name="connsiteY1" fmla="*/ 77 h 10452278"/>
+              <a:gd name="connsiteX2" fmla="*/ 10858570 w 10858570"/>
+              <a:gd name="connsiteY2" fmla="*/ 5956377 h 10452278"/>
+              <a:gd name="connsiteX3" fmla="*/ 4305370 w 10858570"/>
+              <a:gd name="connsiteY3" fmla="*/ 10452177 h 10452278"/>
+              <a:gd name="connsiteX4" fmla="*/ 70 w 10858570"/>
+              <a:gd name="connsiteY4" fmla="*/ 6070677 h 10452278"/>
+              <a:gd name="connsiteX0" fmla="*/ 70 w 10858570"/>
+              <a:gd name="connsiteY0" fmla="*/ 2549374 h 10686399"/>
+              <a:gd name="connsiteX1" fmla="*/ 4397704 w 10858570"/>
+              <a:gd name="connsiteY1" fmla="*/ 149074 h 10686399"/>
+              <a:gd name="connsiteX2" fmla="*/ 10858570 w 10858570"/>
+              <a:gd name="connsiteY2" fmla="*/ 6105374 h 10686399"/>
+              <a:gd name="connsiteX3" fmla="*/ 4305370 w 10858570"/>
+              <a:gd name="connsiteY3" fmla="*/ 10601174 h 10686399"/>
+              <a:gd name="connsiteX4" fmla="*/ 70 w 10858570"/>
+              <a:gd name="connsiteY4" fmla="*/ 2549374 h 10686399"/>
+              <a:gd name="connsiteX0" fmla="*/ 70 w 10849337"/>
+              <a:gd name="connsiteY0" fmla="*/ 2503797 h 10599117"/>
+              <a:gd name="connsiteX1" fmla="*/ 4397704 w 10849337"/>
+              <a:gd name="connsiteY1" fmla="*/ 103497 h 10599117"/>
+              <a:gd name="connsiteX2" fmla="*/ 10849337 w 10849337"/>
+              <a:gd name="connsiteY2" fmla="*/ 5259697 h 10599117"/>
+              <a:gd name="connsiteX3" fmla="*/ 4305370 w 10849337"/>
+              <a:gd name="connsiteY3" fmla="*/ 10555597 h 10599117"/>
+              <a:gd name="connsiteX4" fmla="*/ 70 w 10849337"/>
+              <a:gd name="connsiteY4" fmla="*/ 2503797 h 10599117"/>
+            </a:gdLst>
+            <a:ahLst/>
+            <a:cxnLst>
+              <a:cxn ang="0">
+                <a:pos x="connsiteX0" y="connsiteY0"/>
+              </a:cxn>
+              <a:cxn ang="0">
+                <a:pos x="connsiteX1" y="connsiteY1"/>
+              </a:cxn>
+              <a:cxn ang="0">
+                <a:pos x="connsiteX2" y="connsiteY2"/>
+              </a:cxn>
+              <a:cxn ang="0">
+                <a:pos x="connsiteX3" y="connsiteY3"/>
+              </a:cxn>
+              <a:cxn ang="0">
+                <a:pos x="connsiteX4" y="connsiteY4"/>
+              </a:cxn>
+            </a:cxnLst>
+            <a:rect l="l" t="t" r="r" b="b"/>
+            <a:pathLst>
+              <a:path w="10849337" h="10599117">
+                <a:moveTo>
+                  <a:pt x="70" y="2503797"/>
+                </a:moveTo>
+                <a:cubicBezTo>
+                  <a:pt x="15459" y="761780"/>
+                  <a:pt x="2589493" y="-355820"/>
+                  <a:pt x="4397704" y="103497"/>
+                </a:cubicBezTo>
+                <a:cubicBezTo>
+                  <a:pt x="6205915" y="562814"/>
+                  <a:pt x="10849337" y="2776735"/>
+                  <a:pt x="10849337" y="5259697"/>
+                </a:cubicBezTo>
+                <a:cubicBezTo>
+                  <a:pt x="10849337" y="7742659"/>
+                  <a:pt x="6113581" y="11014914"/>
+                  <a:pt x="4305370" y="10555597"/>
+                </a:cubicBezTo>
+                <a:cubicBezTo>
+                  <a:pt x="2497159" y="10096280"/>
+                  <a:pt x="-15319" y="4245814"/>
+                  <a:pt x="70" y="2503797"/>
+                </a:cubicBezTo>
+                <a:close/>
+              </a:path>
+            </a:pathLst>
+          </a:custGeom>
+          <a:solidFill>
+            <a:srgbClr val="00B0F0"/>
+          </a:solidFill>
+        </p:spPr>
+        <p:style>
+          <a:lnRef idx="2">
+            <a:schemeClr val="accent1">
+              <a:shade val="15000"/>
+            </a:schemeClr>
+          </a:lnRef>
+          <a:fillRef idx="1">
+            <a:schemeClr val="accent1"/>
+          </a:fillRef>
+          <a:effectRef idx="0">
+            <a:schemeClr val="accent1"/>
+          </a:effectRef>
+          <a:fontRef idx="minor">
+            <a:schemeClr val="lt1"/>
+          </a:fontRef>
+        </p:style>
+        <p:txBody>
+          <a:bodyPr rtlCol="0" anchor="ctr"/>
+          <a:lstStyle/>
+          <a:p>
+            <a:pPr algn="ctr"/>
+            <a:endParaRPr lang="es-MX" dirty="0"/>
+          </a:p>
+        </p:txBody>
+      </p:sp>
+      <p:sp>
+        <p:nvSpPr>
+          <p:cNvPr id="3" name="Freeform 6">
+            <a:extLst>
+              <a:ext uri="{FF2B5EF4-FFF2-40B4-BE49-F238E27FC236}">
+                <a16:creationId xmlns:a16="http://schemas.microsoft.com/office/drawing/2014/main" id="{9507912E-0F86-6085-10F6-74DF5CAEB924}"/>
+              </a:ext>
+            </a:extLst>
+          </p:cNvPr>
+          <p:cNvSpPr/>
+          <p:nvPr/>
+        </p:nvSpPr>
+        <p:spPr>
+          <a:xfrm>
+            <a:off x="0" y="5880100"/>
+            <a:ext cx="1066800" cy="952500"/>
+          </a:xfrm>
+          <a:custGeom>
+            <a:avLst/>
+            <a:gdLst/>
+            <a:ahLst/>
+            <a:cxnLst/>
+            <a:rect l="l" t="t" r="r" b="b"/>
+            <a:pathLst>
+              <a:path w="3453015" h="3233615">
+                <a:moveTo>
+                  <a:pt x="0" y="0"/>
+                </a:moveTo>
+                <a:lnTo>
+                  <a:pt x="3453015" y="0"/>
+                </a:lnTo>
+                <a:lnTo>
+                  <a:pt x="3453015" y="3233616"/>
+                </a:lnTo>
+                <a:lnTo>
+                  <a:pt x="0" y="3233616"/>
+                </a:lnTo>
+                <a:lnTo>
+                  <a:pt x="0" y="0"/>
+                </a:lnTo>
+                <a:close/>
+              </a:path>
+            </a:pathLst>
+          </a:custGeom>
+          <a:blipFill>
+            <a:blip r:embed="rId2"/>
+            <a:stretch>
+              <a:fillRect/>
+            </a:stretch>
+          </a:blipFill>
+        </p:spPr>
+        <p:txBody>
+          <a:bodyPr/>
+          <a:lstStyle/>
+          <a:p>
+            <a:endParaRPr lang="es-MX"/>
+          </a:p>
+        </p:txBody>
+      </p:sp>
+    </p:spTree>
+    <p:extLst>
+      <p:ext uri="{BB962C8B-B14F-4D97-AF65-F5344CB8AC3E}">
+        <p14:creationId xmlns:p14="http://schemas.microsoft.com/office/powerpoint/2010/main" val="3052645139"/>
+      </p:ext>
+    </p:extLst>
+  </p:cSld>
+  <p:clrMapOvr>
+    <a:masterClrMapping/>
+  </p:clrMapOvr>
+</p:sld>
+</file>
+
+<file path=ppt/slides/slide8.xml><?xml version="1.0" encoding="utf-8"?>
+<p:sld xmlns:a="http://schemas.openxmlformats.org/drawingml/2006/main" xmlns:r="http://schemas.openxmlformats.org/officeDocument/2006/relationships" xmlns:p="http://schemas.openxmlformats.org/presentationml/2006/main">
+  <p:cSld>
+    <p:spTree>
+      <p:nvGrpSpPr>
+        <p:cNvPr id="1" name=""/>
+        <p:cNvGrpSpPr/>
+        <p:nvPr/>
+      </p:nvGrpSpPr>
+      <p:grpSpPr>
+        <a:xfrm>
+          <a:off x="0" y="0"/>
+          <a:ext cx="0" cy="0"/>
+          <a:chOff x="0" y="0"/>
+          <a:chExt cx="0" cy="0"/>
+        </a:xfrm>
+      </p:grpSpPr>
+      <p:sp>
+        <p:nvSpPr>
+          <p:cNvPr id="2" name="TextBox 2"/>
+          <p:cNvSpPr txBox="1"/>
+          <p:nvPr/>
+        </p:nvSpPr>
+        <p:spPr>
+          <a:xfrm>
+            <a:off x="4951778" y="629287"/>
+            <a:ext cx="2288444" cy="1392007"/>
+          </a:xfrm>
+          <a:prstGeom prst="rect">
+            <a:avLst/>
+          </a:prstGeom>
+        </p:spPr>
+        <p:txBody>
+          <a:bodyPr lIns="0" tIns="0" rIns="0" bIns="0" rtlCol="0" anchor="t">
+            <a:spAutoFit/>
+          </a:bodyPr>
+          <a:lstStyle/>
+          <a:p>
+            <a:pPr algn="ctr">
+              <a:lnSpc>
+                <a:spcPts val="9866"/>
+              </a:lnSpc>
+            </a:pPr>
+            <a:r>
+              <a:rPr lang="en-US" sz="7047" b="1" dirty="0">
+                <a:solidFill>
+                  <a:srgbClr val="000000"/>
+                </a:solidFill>
+                <a:latin typeface="Helvetica Bold"/>
+                <a:ea typeface="Helvetica Bold"/>
+                <a:cs typeface="Helvetica Bold"/>
+                <a:sym typeface="Helvetica Bold"/>
+              </a:rPr>
+              <a:t>STAFF</a:t>
+            </a:r>
+          </a:p>
+        </p:txBody>
+      </p:sp>
+      <p:sp>
+        <p:nvSpPr>
+          <p:cNvPr id="3" name="TextBox 3"/>
+          <p:cNvSpPr txBox="1"/>
+          <p:nvPr/>
+        </p:nvSpPr>
+        <p:spPr>
+          <a:xfrm>
+            <a:off x="3048000" y="2768971"/>
+            <a:ext cx="4470001" cy="1269578"/>
+          </a:xfrm>
+          <a:prstGeom prst="rect">
+            <a:avLst/>
+          </a:prstGeom>
+        </p:spPr>
+        <p:txBody>
+          <a:bodyPr wrap="square" lIns="0" tIns="0" rIns="0" bIns="0" rtlCol="0" anchor="t">
+            <a:spAutoFit/>
+          </a:bodyPr>
+          <a:lstStyle/>
+          <a:p>
+            <a:pPr algn="ctr">
+              <a:lnSpc>
+                <a:spcPts val="9866"/>
+              </a:lnSpc>
+            </a:pPr>
+            <a:r>
+              <a:rPr lang="en-US" sz="7047" dirty="0">
+                <a:solidFill>
+                  <a:srgbClr val="000000"/>
+                </a:solidFill>
+                <a:latin typeface="House-A-Rama-League-Night"/>
+                <a:ea typeface="House-A-Rama-League-Night"/>
+                <a:cs typeface="House-A-Rama-League-Night"/>
+                <a:sym typeface="House-A-Rama-League-Night"/>
+              </a:rPr>
+              <a:t>STAFF</a:t>
+            </a:r>
+          </a:p>
+        </p:txBody>
+      </p:sp>
+      <p:sp>
+        <p:nvSpPr>
+          <p:cNvPr id="4" name="TextBox 4"/>
+          <p:cNvSpPr txBox="1"/>
+          <p:nvPr/>
+        </p:nvSpPr>
+        <p:spPr>
+          <a:xfrm>
+            <a:off x="1600200" y="4684307"/>
+            <a:ext cx="5949595" cy="1223348"/>
+          </a:xfrm>
+          <a:prstGeom prst="rect">
+            <a:avLst/>
+          </a:prstGeom>
+        </p:spPr>
+        <p:txBody>
+          <a:bodyPr wrap="square" lIns="0" tIns="0" rIns="0" bIns="0" rtlCol="0" anchor="t">
+            <a:spAutoFit/>
+          </a:bodyPr>
+          <a:lstStyle/>
+          <a:p>
+            <a:pPr algn="ctr">
+              <a:lnSpc>
+                <a:spcPts val="9866"/>
+              </a:lnSpc>
+            </a:pPr>
+            <a:r>
+              <a:rPr lang="en-US" sz="7047" dirty="0">
+                <a:solidFill>
+                  <a:srgbClr val="000000"/>
+                </a:solidFill>
+                <a:latin typeface="COCOGOOSE"/>
+                <a:ea typeface="COCOGOOSE"/>
+                <a:cs typeface="COCOGOOSE"/>
+                <a:sym typeface="COCOGOOSE"/>
+              </a:rPr>
+              <a:t>STAFF</a:t>
+            </a:r>
+          </a:p>
+        </p:txBody>
+      </p:sp>
+    </p:spTree>
+  </p:cSld>
+  <p:clrMapOvr>
+    <a:masterClrMapping/>
+  </p:clrMapOvr>
+</p:sld>
+</file>
+
+<file path=ppt/slides/slide9.xml><?xml version="1.0" encoding="utf-8"?>
+<p:sld xmlns:a="http://schemas.openxmlformats.org/drawingml/2006/main" xmlns:r="http://schemas.openxmlformats.org/officeDocument/2006/relationships" xmlns:p="http://schemas.openxmlformats.org/presentationml/2006/main">
+  <p:cSld>
+    <p:spTree>
+      <p:nvGrpSpPr>
+        <p:cNvPr id="1" name=""/>
+        <p:cNvGrpSpPr/>
+        <p:nvPr/>
+      </p:nvGrpSpPr>
+      <p:grpSpPr>
+        <a:xfrm>
+          <a:off x="0" y="0"/>
+          <a:ext cx="0" cy="0"/>
+          <a:chOff x="0" y="0"/>
+          <a:chExt cx="0" cy="0"/>
+        </a:xfrm>
+      </p:grpSpPr>
+      <p:sp>
+        <p:nvSpPr>
+          <p:cNvPr id="2" name="Freeform 2"/>
+          <p:cNvSpPr/>
+          <p:nvPr/>
+        </p:nvSpPr>
+        <p:spPr>
+          <a:xfrm>
+            <a:off x="685800" y="685800"/>
+            <a:ext cx="2280319" cy="2280319"/>
+          </a:xfrm>
+          <a:custGeom>
+            <a:avLst/>
+            <a:gdLst/>
+            <a:ahLst/>
+            <a:cxnLst/>
+            <a:rect l="l" t="t" r="r" b="b"/>
+            <a:pathLst>
+              <a:path w="2280319" h="2280319">
+                <a:moveTo>
+                  <a:pt x="0" y="0"/>
+                </a:moveTo>
+                <a:lnTo>
+                  <a:pt x="2280319" y="0"/>
+                </a:lnTo>
+                <a:lnTo>
+                  <a:pt x="2280319" y="2280319"/>
+                </a:lnTo>
+                <a:lnTo>
+                  <a:pt x="0" y="2280319"/>
+                </a:lnTo>
+                <a:lnTo>
+                  <a:pt x="0" y="0"/>
+                </a:lnTo>
+                <a:close/>
+              </a:path>
+            </a:pathLst>
+          </a:custGeom>
+          <a:blipFill>
+            <a:blip r:embed="rId2"/>
+            <a:stretch>
+              <a:fillRect/>
+            </a:stretch>
+          </a:blipFill>
+        </p:spPr>
+        <p:txBody>
+          <a:bodyPr/>
+          <a:lstStyle/>
+          <a:p>
+            <a:endParaRPr lang="es-MX"/>
+          </a:p>
+        </p:txBody>
+      </p:sp>
+      <p:sp>
+        <p:nvSpPr>
+          <p:cNvPr id="3" name="Freeform 3"/>
+          <p:cNvSpPr/>
+          <p:nvPr/>
+        </p:nvSpPr>
+        <p:spPr>
+          <a:xfrm>
+            <a:off x="4735025" y="464984"/>
+            <a:ext cx="2721951" cy="2721951"/>
+          </a:xfrm>
+          <a:custGeom>
+            <a:avLst/>
+            <a:gdLst/>
+            <a:ahLst/>
+            <a:cxnLst/>
+            <a:rect l="l" t="t" r="r" b="b"/>
+            <a:pathLst>
+              <a:path w="2721951" h="2721951">
+                <a:moveTo>
+                  <a:pt x="0" y="0"/>
+                </a:moveTo>
+                <a:lnTo>
+                  <a:pt x="2721950" y="0"/>
+                </a:lnTo>
+                <a:lnTo>
+                  <a:pt x="2721950" y="2721951"/>
+                </a:lnTo>
+                <a:lnTo>
+                  <a:pt x="0" y="2721951"/>
+                </a:lnTo>
+                <a:lnTo>
+                  <a:pt x="0" y="0"/>
+                </a:lnTo>
+                <a:close/>
+              </a:path>
+            </a:pathLst>
+          </a:custGeom>
+          <a:blipFill>
+            <a:blip r:embed="rId3"/>
+            <a:stretch>
+              <a:fillRect/>
+            </a:stretch>
+          </a:blipFill>
+        </p:spPr>
+        <p:txBody>
+          <a:bodyPr/>
+          <a:lstStyle/>
+          <a:p>
+            <a:endParaRPr lang="es-MX"/>
+          </a:p>
+        </p:txBody>
+      </p:sp>
+      <p:sp>
+        <p:nvSpPr>
+          <p:cNvPr id="4" name="Freeform 4"/>
+          <p:cNvSpPr/>
+          <p:nvPr/>
+        </p:nvSpPr>
+        <p:spPr>
+          <a:xfrm>
+            <a:off x="685800" y="3429000"/>
+            <a:ext cx="2507031" cy="2507031"/>
+          </a:xfrm>
+          <a:custGeom>
+            <a:avLst/>
+            <a:gdLst/>
+            <a:ahLst/>
+            <a:cxnLst/>
+            <a:rect l="l" t="t" r="r" b="b"/>
+            <a:pathLst>
+              <a:path w="2507031" h="2507031">
+                <a:moveTo>
+                  <a:pt x="0" y="0"/>
+                </a:moveTo>
+                <a:lnTo>
+                  <a:pt x="2507031" y="0"/>
+                </a:lnTo>
+                <a:lnTo>
+                  <a:pt x="2507031" y="2507031"/>
+                </a:lnTo>
+                <a:lnTo>
+                  <a:pt x="0" y="2507031"/>
+                </a:lnTo>
+                <a:lnTo>
+                  <a:pt x="0" y="0"/>
+                </a:lnTo>
+                <a:close/>
+              </a:path>
+            </a:pathLst>
+          </a:custGeom>
+          <a:blipFill>
+            <a:blip r:embed="rId4"/>
+            <a:stretch>
+              <a:fillRect/>
+            </a:stretch>
+          </a:blipFill>
+        </p:spPr>
+        <p:txBody>
+          <a:bodyPr/>
+          <a:lstStyle/>
+          <a:p>
+            <a:endParaRPr lang="es-MX"/>
+          </a:p>
+        </p:txBody>
+      </p:sp>
+      <p:sp>
+        <p:nvSpPr>
+          <p:cNvPr id="5" name="Freeform 5"/>
+          <p:cNvSpPr/>
+          <p:nvPr/>
+        </p:nvSpPr>
+        <p:spPr>
+          <a:xfrm>
+            <a:off x="4928928" y="3601887"/>
+            <a:ext cx="2334144" cy="2334144"/>
+          </a:xfrm>
+          <a:custGeom>
+            <a:avLst/>
+            <a:gdLst/>
+            <a:ahLst/>
+            <a:cxnLst/>
+            <a:rect l="l" t="t" r="r" b="b"/>
+            <a:pathLst>
+              <a:path w="2334144" h="2334144">
+                <a:moveTo>
+                  <a:pt x="0" y="0"/>
+                </a:moveTo>
+                <a:lnTo>
+                  <a:pt x="2334144" y="0"/>
+                </a:lnTo>
+                <a:lnTo>
+                  <a:pt x="2334144" y="2334144"/>
+                </a:lnTo>
+                <a:lnTo>
+                  <a:pt x="0" y="2334144"/>
+                </a:lnTo>
+                <a:lnTo>
+                  <a:pt x="0" y="0"/>
+                </a:lnTo>
+                <a:close/>
+              </a:path>
+            </a:pathLst>
+          </a:custGeom>
+          <a:blipFill>
+            <a:blip r:embed="rId5"/>
+            <a:stretch>
+              <a:fillRect/>
+            </a:stretch>
+          </a:blipFill>
+        </p:spPr>
+        <p:txBody>
+          <a:bodyPr/>
+          <a:lstStyle/>
+          <a:p>
+            <a:endParaRPr lang="es-MX"/>
+          </a:p>
+        </p:txBody>
+      </p:sp>
+      <p:sp>
+        <p:nvSpPr>
+          <p:cNvPr id="6" name="Freeform 6"/>
+          <p:cNvSpPr/>
+          <p:nvPr/>
+        </p:nvSpPr>
+        <p:spPr>
+          <a:xfrm>
+            <a:off x="8911252" y="565886"/>
+            <a:ext cx="2520147" cy="2520147"/>
+          </a:xfrm>
+          <a:custGeom>
+            <a:avLst/>
+            <a:gdLst/>
+            <a:ahLst/>
+            <a:cxnLst/>
+            <a:rect l="l" t="t" r="r" b="b"/>
+            <a:pathLst>
+              <a:path w="2520147" h="2520147">
+                <a:moveTo>
+                  <a:pt x="0" y="0"/>
+                </a:moveTo>
+                <a:lnTo>
+                  <a:pt x="2520147" y="0"/>
+                </a:lnTo>
+                <a:lnTo>
+                  <a:pt x="2520147" y="2520147"/>
+                </a:lnTo>
+                <a:lnTo>
+                  <a:pt x="0" y="2520147"/>
+                </a:lnTo>
+                <a:lnTo>
+                  <a:pt x="0" y="0"/>
+                </a:lnTo>
+                <a:close/>
+              </a:path>
+            </a:pathLst>
+          </a:custGeom>
+          <a:blipFill>
+            <a:blip r:embed="rId6"/>
             <a:stretch>
               <a:fillRect/>
             </a:stretch>

--- a/Brand Book Slim Pop .pptx
+++ b/Brand Book Slim Pop .pptx
@@ -363,7 +363,7 @@
             <a:fld id="{1D8BD707-D9CF-40AE-B4C6-C98DA3205C09}" type="datetimeFigureOut">
               <a:rPr lang="en-US" smtClean="0"/>
               <a:pPr/>
-              <a:t>9/25/2025</a:t>
+              <a:t>9/26/2025</a:t>
             </a:fld>
             <a:endParaRPr lang="en-US"/>
           </a:p>
@@ -528,7 +528,7 @@
             <a:fld id="{1D8BD707-D9CF-40AE-B4C6-C98DA3205C09}" type="datetimeFigureOut">
               <a:rPr lang="en-US" smtClean="0"/>
               <a:pPr/>
-              <a:t>9/25/2025</a:t>
+              <a:t>9/26/2025</a:t>
             </a:fld>
             <a:endParaRPr lang="en-US"/>
           </a:p>
@@ -703,7 +703,7 @@
             <a:fld id="{1D8BD707-D9CF-40AE-B4C6-C98DA3205C09}" type="datetimeFigureOut">
               <a:rPr lang="en-US" smtClean="0"/>
               <a:pPr/>
-              <a:t>9/25/2025</a:t>
+              <a:t>9/26/2025</a:t>
             </a:fld>
             <a:endParaRPr lang="en-US"/>
           </a:p>
@@ -868,7 +868,7 @@
             <a:fld id="{1D8BD707-D9CF-40AE-B4C6-C98DA3205C09}" type="datetimeFigureOut">
               <a:rPr lang="en-US" smtClean="0"/>
               <a:pPr/>
-              <a:t>9/25/2025</a:t>
+              <a:t>9/26/2025</a:t>
             </a:fld>
             <a:endParaRPr lang="en-US"/>
           </a:p>
@@ -1110,7 +1110,7 @@
             <a:fld id="{1D8BD707-D9CF-40AE-B4C6-C98DA3205C09}" type="datetimeFigureOut">
               <a:rPr lang="en-US" smtClean="0"/>
               <a:pPr/>
-              <a:t>9/25/2025</a:t>
+              <a:t>9/26/2025</a:t>
             </a:fld>
             <a:endParaRPr lang="en-US"/>
           </a:p>
@@ -1392,7 +1392,7 @@
             <a:fld id="{1D8BD707-D9CF-40AE-B4C6-C98DA3205C09}" type="datetimeFigureOut">
               <a:rPr lang="en-US" smtClean="0"/>
               <a:pPr/>
-              <a:t>9/25/2025</a:t>
+              <a:t>9/26/2025</a:t>
             </a:fld>
             <a:endParaRPr lang="en-US"/>
           </a:p>
@@ -1808,7 +1808,7 @@
             <a:fld id="{1D8BD707-D9CF-40AE-B4C6-C98DA3205C09}" type="datetimeFigureOut">
               <a:rPr lang="en-US" smtClean="0"/>
               <a:pPr/>
-              <a:t>9/25/2025</a:t>
+              <a:t>9/26/2025</a:t>
             </a:fld>
             <a:endParaRPr lang="en-US"/>
           </a:p>
@@ -1922,7 +1922,7 @@
             <a:fld id="{1D8BD707-D9CF-40AE-B4C6-C98DA3205C09}" type="datetimeFigureOut">
               <a:rPr lang="en-US" smtClean="0"/>
               <a:pPr/>
-              <a:t>9/25/2025</a:t>
+              <a:t>9/26/2025</a:t>
             </a:fld>
             <a:endParaRPr lang="en-US"/>
           </a:p>
@@ -2014,7 +2014,7 @@
             <a:fld id="{1D8BD707-D9CF-40AE-B4C6-C98DA3205C09}" type="datetimeFigureOut">
               <a:rPr lang="en-US" smtClean="0"/>
               <a:pPr/>
-              <a:t>9/25/2025</a:t>
+              <a:t>9/26/2025</a:t>
             </a:fld>
             <a:endParaRPr lang="en-US"/>
           </a:p>
@@ -2286,7 +2286,7 @@
             <a:fld id="{1D8BD707-D9CF-40AE-B4C6-C98DA3205C09}" type="datetimeFigureOut">
               <a:rPr lang="en-US" smtClean="0"/>
               <a:pPr/>
-              <a:t>9/25/2025</a:t>
+              <a:t>9/26/2025</a:t>
             </a:fld>
             <a:endParaRPr lang="en-US"/>
           </a:p>
@@ -2535,7 +2535,7 @@
             <a:fld id="{1D8BD707-D9CF-40AE-B4C6-C98DA3205C09}" type="datetimeFigureOut">
               <a:rPr lang="en-US" smtClean="0"/>
               <a:pPr/>
-              <a:t>9/25/2025</a:t>
+              <a:t>9/26/2025</a:t>
             </a:fld>
             <a:endParaRPr lang="en-US"/>
           </a:p>
@@ -2743,7 +2743,7 @@
             <a:fld id="{1D8BD707-D9CF-40AE-B4C6-C98DA3205C09}" type="datetimeFigureOut">
               <a:rPr lang="en-US" smtClean="0"/>
               <a:pPr/>
-              <a:t>9/25/2025</a:t>
+              <a:t>9/26/2025</a:t>
             </a:fld>
             <a:endParaRPr lang="en-US"/>
           </a:p>
@@ -5071,6 +5071,59 @@
           <a:chExt cx="0" cy="0"/>
         </a:xfrm>
       </p:grpSpPr>
+      <p:sp>
+        <p:nvSpPr>
+          <p:cNvPr id="6" name="Rectángulo: esquinas diagonales cortadas 5">
+            <a:extLst>
+              <a:ext uri="{FF2B5EF4-FFF2-40B4-BE49-F238E27FC236}">
+                <a16:creationId xmlns:a16="http://schemas.microsoft.com/office/drawing/2014/main" id="{2A390BC1-BADC-8084-3BC6-5606F1F4EA7F}"/>
+              </a:ext>
+            </a:extLst>
+          </p:cNvPr>
+          <p:cNvSpPr/>
+          <p:nvPr/>
+        </p:nvSpPr>
+        <p:spPr>
+          <a:xfrm>
+            <a:off x="228600" y="304800"/>
+            <a:ext cx="11658600" cy="6248400"/>
+          </a:xfrm>
+          <a:prstGeom prst="snip2DiagRect">
+            <a:avLst/>
+          </a:prstGeom>
+          <a:solidFill>
+            <a:srgbClr val="00B0F0"/>
+          </a:solidFill>
+        </p:spPr>
+        <p:style>
+          <a:lnRef idx="2">
+            <a:schemeClr val="accent1">
+              <a:shade val="15000"/>
+            </a:schemeClr>
+          </a:lnRef>
+          <a:fillRef idx="1">
+            <a:schemeClr val="accent1"/>
+          </a:fillRef>
+          <a:effectRef idx="0">
+            <a:schemeClr val="accent1"/>
+          </a:effectRef>
+          <a:fontRef idx="minor">
+            <a:schemeClr val="lt1"/>
+          </a:fontRef>
+        </p:style>
+        <p:txBody>
+          <a:bodyPr rtlCol="0" anchor="ctr"/>
+          <a:lstStyle/>
+          <a:p>
+            <a:pPr algn="ctr"/>
+            <a:endParaRPr lang="es-MX">
+              <a:solidFill>
+                <a:srgbClr val="00B0F0"/>
+              </a:solidFill>
+            </a:endParaRPr>
+          </a:p>
+        </p:txBody>
+      </p:sp>
       <p:grpSp>
         <p:nvGrpSpPr>
           <p:cNvPr id="2" name="Group 2"/>
@@ -5079,7 +5132,7 @@
         </p:nvGrpSpPr>
         <p:grpSpPr>
           <a:xfrm>
-            <a:off x="119556" y="114301"/>
+            <a:off x="337457" y="457200"/>
             <a:ext cx="755730" cy="711215"/>
             <a:chOff x="0" y="0"/>
             <a:chExt cx="1542552" cy="1586902"/>
@@ -5169,7 +5222,7 @@
         </p:nvSpPr>
         <p:spPr>
           <a:xfrm>
-            <a:off x="152400" y="152400"/>
+            <a:off x="370301" y="495299"/>
             <a:ext cx="673447" cy="616065"/>
           </a:xfrm>
           <a:custGeom>
@@ -5694,7 +5747,7 @@
                 <a:solidFill>
                   <a:srgbClr val="000000"/>
                 </a:solidFill>
-                <a:latin typeface="COCOGOOSE"/>
+                <a:latin typeface="COCOGOOSE" panose="020B0604020202020204" charset="0"/>
                 <a:ea typeface="COCOGOOSE"/>
                 <a:cs typeface="COCOGOOSE"/>
                 <a:sym typeface="COCOGOOSE"/>
